--- a/Apresentação.pptx
+++ b/Apresentação.pptx
@@ -5,12 +5,23 @@
     <p:sldMasterId id="2147483659" r:id="rId1"/>
   </p:sldMasterIdLst>
   <p:notesMasterIdLst>
-    <p:notesMasterId r:id="rId5"/>
+    <p:notesMasterId r:id="rId16"/>
   </p:notesMasterIdLst>
   <p:sldIdLst>
     <p:sldId id="256" r:id="rId2"/>
     <p:sldId id="257" r:id="rId3"/>
     <p:sldId id="258" r:id="rId4"/>
+    <p:sldId id="259" r:id="rId5"/>
+    <p:sldId id="263" r:id="rId6"/>
+    <p:sldId id="260" r:id="rId7"/>
+    <p:sldId id="264" r:id="rId8"/>
+    <p:sldId id="261" r:id="rId9"/>
+    <p:sldId id="265" r:id="rId10"/>
+    <p:sldId id="262" r:id="rId11"/>
+    <p:sldId id="266" r:id="rId12"/>
+    <p:sldId id="267" r:id="rId13"/>
+    <p:sldId id="268" r:id="rId14"/>
+    <p:sldId id="269" r:id="rId15"/>
   </p:sldIdLst>
   <p:sldSz cx="9144000" cy="5143500" type="screen16x9"/>
   <p:notesSz cx="6858000" cy="9144000"/>
@@ -807,6 +818,442 @@
 </p:notes>
 </file>
 
+<file path=ppt/notesSlides/notesSlide10.xml><?xml version="1.0" encoding="utf-8"?>
+<p:notes xmlns:a="http://schemas.openxmlformats.org/drawingml/2006/main" xmlns:r="http://schemas.openxmlformats.org/officeDocument/2006/relationships" xmlns:p="http://schemas.openxmlformats.org/presentationml/2006/main" showMasterSp="0" showMasterPhAnim="0">
+  <p:cSld>
+    <p:spTree>
+      <p:nvGrpSpPr>
+        <p:cNvPr id="1" name="Shape 56"/>
+        <p:cNvGrpSpPr/>
+        <p:nvPr/>
+      </p:nvGrpSpPr>
+      <p:grpSpPr>
+        <a:xfrm>
+          <a:off x="0" y="0"/>
+          <a:ext cx="0" cy="0"/>
+          <a:chOff x="0" y="0"/>
+          <a:chExt cx="0" cy="0"/>
+        </a:xfrm>
+      </p:grpSpPr>
+      <p:sp>
+        <p:nvSpPr>
+          <p:cNvPr id="57" name="Google Shape;57;g6d5b4755ab_0_45:notes"/>
+          <p:cNvSpPr>
+            <a:spLocks noGrp="1" noRot="1" noChangeAspect="1"/>
+          </p:cNvSpPr>
+          <p:nvPr>
+            <p:ph type="sldImg" idx="2"/>
+          </p:nvPr>
+        </p:nvSpPr>
+        <p:spPr>
+          <a:xfrm>
+            <a:off x="381000" y="685800"/>
+            <a:ext cx="6096000" cy="3429000"/>
+          </a:xfrm>
+          <a:custGeom>
+            <a:avLst/>
+            <a:gdLst/>
+            <a:ahLst/>
+            <a:cxnLst/>
+            <a:rect l="l" t="t" r="r" b="b"/>
+            <a:pathLst>
+              <a:path w="120000" h="120000" extrusionOk="0">
+                <a:moveTo>
+                  <a:pt x="0" y="0"/>
+                </a:moveTo>
+                <a:lnTo>
+                  <a:pt x="120000" y="0"/>
+                </a:lnTo>
+                <a:lnTo>
+                  <a:pt x="120000" y="120000"/>
+                </a:lnTo>
+                <a:lnTo>
+                  <a:pt x="0" y="120000"/>
+                </a:lnTo>
+                <a:close/>
+              </a:path>
+            </a:pathLst>
+          </a:custGeom>
+        </p:spPr>
+      </p:sp>
+      <p:sp>
+        <p:nvSpPr>
+          <p:cNvPr id="58" name="Google Shape;58;g6d5b4755ab_0_45:notes"/>
+          <p:cNvSpPr txBox="1">
+            <a:spLocks noGrp="1"/>
+          </p:cNvSpPr>
+          <p:nvPr>
+            <p:ph type="body" idx="1"/>
+          </p:nvPr>
+        </p:nvSpPr>
+        <p:spPr>
+          <a:xfrm>
+            <a:off x="685800" y="4343400"/>
+            <a:ext cx="5486400" cy="4114800"/>
+          </a:xfrm>
+          <a:prstGeom prst="rect">
+            <a:avLst/>
+          </a:prstGeom>
+        </p:spPr>
+        <p:txBody>
+          <a:bodyPr spcFirstLastPara="1" wrap="square" lIns="91425" tIns="91425" rIns="91425" bIns="91425" anchor="t" anchorCtr="0">
+            <a:noAutofit/>
+          </a:bodyPr>
+          <a:lstStyle/>
+          <a:p>
+            <a:pPr marL="0" lvl="0" indent="0" algn="l" rtl="0">
+              <a:spcBef>
+                <a:spcPts val="0"/>
+              </a:spcBef>
+              <a:spcAft>
+                <a:spcPts val="0"/>
+              </a:spcAft>
+              <a:buNone/>
+            </a:pPr>
+            <a:endParaRPr/>
+          </a:p>
+        </p:txBody>
+      </p:sp>
+    </p:spTree>
+    <p:extLst>
+      <p:ext uri="{BB962C8B-B14F-4D97-AF65-F5344CB8AC3E}">
+        <p14:creationId xmlns:p14="http://schemas.microsoft.com/office/powerpoint/2010/main" val="2375292361"/>
+      </p:ext>
+    </p:extLst>
+  </p:cSld>
+  <p:clrMapOvr>
+    <a:masterClrMapping/>
+  </p:clrMapOvr>
+</p:notes>
+</file>
+
+<file path=ppt/notesSlides/notesSlide11.xml><?xml version="1.0" encoding="utf-8"?>
+<p:notes xmlns:a="http://schemas.openxmlformats.org/drawingml/2006/main" xmlns:r="http://schemas.openxmlformats.org/officeDocument/2006/relationships" xmlns:p="http://schemas.openxmlformats.org/presentationml/2006/main" showMasterSp="0" showMasterPhAnim="0">
+  <p:cSld>
+    <p:spTree>
+      <p:nvGrpSpPr>
+        <p:cNvPr id="1" name="Shape 56"/>
+        <p:cNvGrpSpPr/>
+        <p:nvPr/>
+      </p:nvGrpSpPr>
+      <p:grpSpPr>
+        <a:xfrm>
+          <a:off x="0" y="0"/>
+          <a:ext cx="0" cy="0"/>
+          <a:chOff x="0" y="0"/>
+          <a:chExt cx="0" cy="0"/>
+        </a:xfrm>
+      </p:grpSpPr>
+      <p:sp>
+        <p:nvSpPr>
+          <p:cNvPr id="57" name="Google Shape;57;g6d5b4755ab_0_45:notes"/>
+          <p:cNvSpPr>
+            <a:spLocks noGrp="1" noRot="1" noChangeAspect="1"/>
+          </p:cNvSpPr>
+          <p:nvPr>
+            <p:ph type="sldImg" idx="2"/>
+          </p:nvPr>
+        </p:nvSpPr>
+        <p:spPr>
+          <a:xfrm>
+            <a:off x="381000" y="685800"/>
+            <a:ext cx="6096000" cy="3429000"/>
+          </a:xfrm>
+          <a:custGeom>
+            <a:avLst/>
+            <a:gdLst/>
+            <a:ahLst/>
+            <a:cxnLst/>
+            <a:rect l="l" t="t" r="r" b="b"/>
+            <a:pathLst>
+              <a:path w="120000" h="120000" extrusionOk="0">
+                <a:moveTo>
+                  <a:pt x="0" y="0"/>
+                </a:moveTo>
+                <a:lnTo>
+                  <a:pt x="120000" y="0"/>
+                </a:lnTo>
+                <a:lnTo>
+                  <a:pt x="120000" y="120000"/>
+                </a:lnTo>
+                <a:lnTo>
+                  <a:pt x="0" y="120000"/>
+                </a:lnTo>
+                <a:close/>
+              </a:path>
+            </a:pathLst>
+          </a:custGeom>
+        </p:spPr>
+      </p:sp>
+      <p:sp>
+        <p:nvSpPr>
+          <p:cNvPr id="58" name="Google Shape;58;g6d5b4755ab_0_45:notes"/>
+          <p:cNvSpPr txBox="1">
+            <a:spLocks noGrp="1"/>
+          </p:cNvSpPr>
+          <p:nvPr>
+            <p:ph type="body" idx="1"/>
+          </p:nvPr>
+        </p:nvSpPr>
+        <p:spPr>
+          <a:xfrm>
+            <a:off x="685800" y="4343400"/>
+            <a:ext cx="5486400" cy="4114800"/>
+          </a:xfrm>
+          <a:prstGeom prst="rect">
+            <a:avLst/>
+          </a:prstGeom>
+        </p:spPr>
+        <p:txBody>
+          <a:bodyPr spcFirstLastPara="1" wrap="square" lIns="91425" tIns="91425" rIns="91425" bIns="91425" anchor="t" anchorCtr="0">
+            <a:noAutofit/>
+          </a:bodyPr>
+          <a:lstStyle/>
+          <a:p>
+            <a:pPr marL="0" lvl="0" indent="0" algn="l" rtl="0">
+              <a:spcBef>
+                <a:spcPts val="0"/>
+              </a:spcBef>
+              <a:spcAft>
+                <a:spcPts val="0"/>
+              </a:spcAft>
+              <a:buNone/>
+            </a:pPr>
+            <a:endParaRPr/>
+          </a:p>
+        </p:txBody>
+      </p:sp>
+    </p:spTree>
+    <p:extLst>
+      <p:ext uri="{BB962C8B-B14F-4D97-AF65-F5344CB8AC3E}">
+        <p14:creationId xmlns:p14="http://schemas.microsoft.com/office/powerpoint/2010/main" val="3276861853"/>
+      </p:ext>
+    </p:extLst>
+  </p:cSld>
+  <p:clrMapOvr>
+    <a:masterClrMapping/>
+  </p:clrMapOvr>
+</p:notes>
+</file>
+
+<file path=ppt/notesSlides/notesSlide12.xml><?xml version="1.0" encoding="utf-8"?>
+<p:notes xmlns:a="http://schemas.openxmlformats.org/drawingml/2006/main" xmlns:r="http://schemas.openxmlformats.org/officeDocument/2006/relationships" xmlns:p="http://schemas.openxmlformats.org/presentationml/2006/main" showMasterSp="0" showMasterPhAnim="0">
+  <p:cSld>
+    <p:spTree>
+      <p:nvGrpSpPr>
+        <p:cNvPr id="1" name="Shape 56"/>
+        <p:cNvGrpSpPr/>
+        <p:nvPr/>
+      </p:nvGrpSpPr>
+      <p:grpSpPr>
+        <a:xfrm>
+          <a:off x="0" y="0"/>
+          <a:ext cx="0" cy="0"/>
+          <a:chOff x="0" y="0"/>
+          <a:chExt cx="0" cy="0"/>
+        </a:xfrm>
+      </p:grpSpPr>
+      <p:sp>
+        <p:nvSpPr>
+          <p:cNvPr id="57" name="Google Shape;57;g6d5b4755ab_0_45:notes"/>
+          <p:cNvSpPr>
+            <a:spLocks noGrp="1" noRot="1" noChangeAspect="1"/>
+          </p:cNvSpPr>
+          <p:nvPr>
+            <p:ph type="sldImg" idx="2"/>
+          </p:nvPr>
+        </p:nvSpPr>
+        <p:spPr>
+          <a:xfrm>
+            <a:off x="381000" y="685800"/>
+            <a:ext cx="6096000" cy="3429000"/>
+          </a:xfrm>
+          <a:custGeom>
+            <a:avLst/>
+            <a:gdLst/>
+            <a:ahLst/>
+            <a:cxnLst/>
+            <a:rect l="l" t="t" r="r" b="b"/>
+            <a:pathLst>
+              <a:path w="120000" h="120000" extrusionOk="0">
+                <a:moveTo>
+                  <a:pt x="0" y="0"/>
+                </a:moveTo>
+                <a:lnTo>
+                  <a:pt x="120000" y="0"/>
+                </a:lnTo>
+                <a:lnTo>
+                  <a:pt x="120000" y="120000"/>
+                </a:lnTo>
+                <a:lnTo>
+                  <a:pt x="0" y="120000"/>
+                </a:lnTo>
+                <a:close/>
+              </a:path>
+            </a:pathLst>
+          </a:custGeom>
+        </p:spPr>
+      </p:sp>
+      <p:sp>
+        <p:nvSpPr>
+          <p:cNvPr id="58" name="Google Shape;58;g6d5b4755ab_0_45:notes"/>
+          <p:cNvSpPr txBox="1">
+            <a:spLocks noGrp="1"/>
+          </p:cNvSpPr>
+          <p:nvPr>
+            <p:ph type="body" idx="1"/>
+          </p:nvPr>
+        </p:nvSpPr>
+        <p:spPr>
+          <a:xfrm>
+            <a:off x="685800" y="4343400"/>
+            <a:ext cx="5486400" cy="4114800"/>
+          </a:xfrm>
+          <a:prstGeom prst="rect">
+            <a:avLst/>
+          </a:prstGeom>
+        </p:spPr>
+        <p:txBody>
+          <a:bodyPr spcFirstLastPara="1" wrap="square" lIns="91425" tIns="91425" rIns="91425" bIns="91425" anchor="t" anchorCtr="0">
+            <a:noAutofit/>
+          </a:bodyPr>
+          <a:lstStyle/>
+          <a:p>
+            <a:pPr marL="0" lvl="0" indent="0" algn="l" rtl="0">
+              <a:spcBef>
+                <a:spcPts val="0"/>
+              </a:spcBef>
+              <a:spcAft>
+                <a:spcPts val="0"/>
+              </a:spcAft>
+              <a:buNone/>
+            </a:pPr>
+            <a:endParaRPr/>
+          </a:p>
+        </p:txBody>
+      </p:sp>
+    </p:spTree>
+    <p:extLst>
+      <p:ext uri="{BB962C8B-B14F-4D97-AF65-F5344CB8AC3E}">
+        <p14:creationId xmlns:p14="http://schemas.microsoft.com/office/powerpoint/2010/main" val="1467480840"/>
+      </p:ext>
+    </p:extLst>
+  </p:cSld>
+  <p:clrMapOvr>
+    <a:masterClrMapping/>
+  </p:clrMapOvr>
+</p:notes>
+</file>
+
+<file path=ppt/notesSlides/notesSlide13.xml><?xml version="1.0" encoding="utf-8"?>
+<p:notes xmlns:a="http://schemas.openxmlformats.org/drawingml/2006/main" xmlns:r="http://schemas.openxmlformats.org/officeDocument/2006/relationships" xmlns:p="http://schemas.openxmlformats.org/presentationml/2006/main" showMasterSp="0" showMasterPhAnim="0">
+  <p:cSld>
+    <p:spTree>
+      <p:nvGrpSpPr>
+        <p:cNvPr id="1" name="Shape 56"/>
+        <p:cNvGrpSpPr/>
+        <p:nvPr/>
+      </p:nvGrpSpPr>
+      <p:grpSpPr>
+        <a:xfrm>
+          <a:off x="0" y="0"/>
+          <a:ext cx="0" cy="0"/>
+          <a:chOff x="0" y="0"/>
+          <a:chExt cx="0" cy="0"/>
+        </a:xfrm>
+      </p:grpSpPr>
+      <p:sp>
+        <p:nvSpPr>
+          <p:cNvPr id="57" name="Google Shape;57;g6d5b4755ab_0_45:notes"/>
+          <p:cNvSpPr>
+            <a:spLocks noGrp="1" noRot="1" noChangeAspect="1"/>
+          </p:cNvSpPr>
+          <p:nvPr>
+            <p:ph type="sldImg" idx="2"/>
+          </p:nvPr>
+        </p:nvSpPr>
+        <p:spPr>
+          <a:xfrm>
+            <a:off x="381000" y="685800"/>
+            <a:ext cx="6096000" cy="3429000"/>
+          </a:xfrm>
+          <a:custGeom>
+            <a:avLst/>
+            <a:gdLst/>
+            <a:ahLst/>
+            <a:cxnLst/>
+            <a:rect l="l" t="t" r="r" b="b"/>
+            <a:pathLst>
+              <a:path w="120000" h="120000" extrusionOk="0">
+                <a:moveTo>
+                  <a:pt x="0" y="0"/>
+                </a:moveTo>
+                <a:lnTo>
+                  <a:pt x="120000" y="0"/>
+                </a:lnTo>
+                <a:lnTo>
+                  <a:pt x="120000" y="120000"/>
+                </a:lnTo>
+                <a:lnTo>
+                  <a:pt x="0" y="120000"/>
+                </a:lnTo>
+                <a:close/>
+              </a:path>
+            </a:pathLst>
+          </a:custGeom>
+        </p:spPr>
+      </p:sp>
+      <p:sp>
+        <p:nvSpPr>
+          <p:cNvPr id="58" name="Google Shape;58;g6d5b4755ab_0_45:notes"/>
+          <p:cNvSpPr txBox="1">
+            <a:spLocks noGrp="1"/>
+          </p:cNvSpPr>
+          <p:nvPr>
+            <p:ph type="body" idx="1"/>
+          </p:nvPr>
+        </p:nvSpPr>
+        <p:spPr>
+          <a:xfrm>
+            <a:off x="685800" y="4343400"/>
+            <a:ext cx="5486400" cy="4114800"/>
+          </a:xfrm>
+          <a:prstGeom prst="rect">
+            <a:avLst/>
+          </a:prstGeom>
+        </p:spPr>
+        <p:txBody>
+          <a:bodyPr spcFirstLastPara="1" wrap="square" lIns="91425" tIns="91425" rIns="91425" bIns="91425" anchor="t" anchorCtr="0">
+            <a:noAutofit/>
+          </a:bodyPr>
+          <a:lstStyle/>
+          <a:p>
+            <a:pPr marL="0" lvl="0" indent="0" algn="l" rtl="0">
+              <a:spcBef>
+                <a:spcPts val="0"/>
+              </a:spcBef>
+              <a:spcAft>
+                <a:spcPts val="0"/>
+              </a:spcAft>
+              <a:buNone/>
+            </a:pPr>
+            <a:endParaRPr/>
+          </a:p>
+        </p:txBody>
+      </p:sp>
+    </p:spTree>
+    <p:extLst>
+      <p:ext uri="{BB962C8B-B14F-4D97-AF65-F5344CB8AC3E}">
+        <p14:creationId xmlns:p14="http://schemas.microsoft.com/office/powerpoint/2010/main" val="2139293206"/>
+      </p:ext>
+    </p:extLst>
+  </p:cSld>
+  <p:clrMapOvr>
+    <a:masterClrMapping/>
+  </p:clrMapOvr>
+</p:notes>
+</file>
+
 <file path=ppt/notesSlides/notesSlide2.xml><?xml version="1.0" encoding="utf-8"?>
 <p:notes xmlns:a="http://schemas.openxmlformats.org/drawingml/2006/main" xmlns:r="http://schemas.openxmlformats.org/officeDocument/2006/relationships" xmlns:p="http://schemas.openxmlformats.org/presentationml/2006/main" showMasterSp="0" showMasterPhAnim="0">
   <p:cSld>
@@ -1011,6 +1458,660 @@
     <p:extLst>
       <p:ext uri="{BB962C8B-B14F-4D97-AF65-F5344CB8AC3E}">
         <p14:creationId xmlns:p14="http://schemas.microsoft.com/office/powerpoint/2010/main" val="4125039469"/>
+      </p:ext>
+    </p:extLst>
+  </p:cSld>
+  <p:clrMapOvr>
+    <a:masterClrMapping/>
+  </p:clrMapOvr>
+</p:notes>
+</file>
+
+<file path=ppt/notesSlides/notesSlide4.xml><?xml version="1.0" encoding="utf-8"?>
+<p:notes xmlns:a="http://schemas.openxmlformats.org/drawingml/2006/main" xmlns:r="http://schemas.openxmlformats.org/officeDocument/2006/relationships" xmlns:p="http://schemas.openxmlformats.org/presentationml/2006/main" showMasterSp="0" showMasterPhAnim="0">
+  <p:cSld>
+    <p:spTree>
+      <p:nvGrpSpPr>
+        <p:cNvPr id="1" name="Shape 56"/>
+        <p:cNvGrpSpPr/>
+        <p:nvPr/>
+      </p:nvGrpSpPr>
+      <p:grpSpPr>
+        <a:xfrm>
+          <a:off x="0" y="0"/>
+          <a:ext cx="0" cy="0"/>
+          <a:chOff x="0" y="0"/>
+          <a:chExt cx="0" cy="0"/>
+        </a:xfrm>
+      </p:grpSpPr>
+      <p:sp>
+        <p:nvSpPr>
+          <p:cNvPr id="57" name="Google Shape;57;g6d5b4755ab_0_45:notes"/>
+          <p:cNvSpPr>
+            <a:spLocks noGrp="1" noRot="1" noChangeAspect="1"/>
+          </p:cNvSpPr>
+          <p:nvPr>
+            <p:ph type="sldImg" idx="2"/>
+          </p:nvPr>
+        </p:nvSpPr>
+        <p:spPr>
+          <a:xfrm>
+            <a:off x="381000" y="685800"/>
+            <a:ext cx="6096000" cy="3429000"/>
+          </a:xfrm>
+          <a:custGeom>
+            <a:avLst/>
+            <a:gdLst/>
+            <a:ahLst/>
+            <a:cxnLst/>
+            <a:rect l="l" t="t" r="r" b="b"/>
+            <a:pathLst>
+              <a:path w="120000" h="120000" extrusionOk="0">
+                <a:moveTo>
+                  <a:pt x="0" y="0"/>
+                </a:moveTo>
+                <a:lnTo>
+                  <a:pt x="120000" y="0"/>
+                </a:lnTo>
+                <a:lnTo>
+                  <a:pt x="120000" y="120000"/>
+                </a:lnTo>
+                <a:lnTo>
+                  <a:pt x="0" y="120000"/>
+                </a:lnTo>
+                <a:close/>
+              </a:path>
+            </a:pathLst>
+          </a:custGeom>
+        </p:spPr>
+      </p:sp>
+      <p:sp>
+        <p:nvSpPr>
+          <p:cNvPr id="58" name="Google Shape;58;g6d5b4755ab_0_45:notes"/>
+          <p:cNvSpPr txBox="1">
+            <a:spLocks noGrp="1"/>
+          </p:cNvSpPr>
+          <p:nvPr>
+            <p:ph type="body" idx="1"/>
+          </p:nvPr>
+        </p:nvSpPr>
+        <p:spPr>
+          <a:xfrm>
+            <a:off x="685800" y="4343400"/>
+            <a:ext cx="5486400" cy="4114800"/>
+          </a:xfrm>
+          <a:prstGeom prst="rect">
+            <a:avLst/>
+          </a:prstGeom>
+        </p:spPr>
+        <p:txBody>
+          <a:bodyPr spcFirstLastPara="1" wrap="square" lIns="91425" tIns="91425" rIns="91425" bIns="91425" anchor="t" anchorCtr="0">
+            <a:noAutofit/>
+          </a:bodyPr>
+          <a:lstStyle/>
+          <a:p>
+            <a:pPr marL="0" lvl="0" indent="0" algn="l" rtl="0">
+              <a:spcBef>
+                <a:spcPts val="0"/>
+              </a:spcBef>
+              <a:spcAft>
+                <a:spcPts val="0"/>
+              </a:spcAft>
+              <a:buNone/>
+            </a:pPr>
+            <a:endParaRPr/>
+          </a:p>
+        </p:txBody>
+      </p:sp>
+    </p:spTree>
+    <p:extLst>
+      <p:ext uri="{BB962C8B-B14F-4D97-AF65-F5344CB8AC3E}">
+        <p14:creationId xmlns:p14="http://schemas.microsoft.com/office/powerpoint/2010/main" val="1754247150"/>
+      </p:ext>
+    </p:extLst>
+  </p:cSld>
+  <p:clrMapOvr>
+    <a:masterClrMapping/>
+  </p:clrMapOvr>
+</p:notes>
+</file>
+
+<file path=ppt/notesSlides/notesSlide5.xml><?xml version="1.0" encoding="utf-8"?>
+<p:notes xmlns:a="http://schemas.openxmlformats.org/drawingml/2006/main" xmlns:r="http://schemas.openxmlformats.org/officeDocument/2006/relationships" xmlns:p="http://schemas.openxmlformats.org/presentationml/2006/main" showMasterSp="0" showMasterPhAnim="0">
+  <p:cSld>
+    <p:spTree>
+      <p:nvGrpSpPr>
+        <p:cNvPr id="1" name="Shape 56"/>
+        <p:cNvGrpSpPr/>
+        <p:nvPr/>
+      </p:nvGrpSpPr>
+      <p:grpSpPr>
+        <a:xfrm>
+          <a:off x="0" y="0"/>
+          <a:ext cx="0" cy="0"/>
+          <a:chOff x="0" y="0"/>
+          <a:chExt cx="0" cy="0"/>
+        </a:xfrm>
+      </p:grpSpPr>
+      <p:sp>
+        <p:nvSpPr>
+          <p:cNvPr id="57" name="Google Shape;57;g6d5b4755ab_0_45:notes"/>
+          <p:cNvSpPr>
+            <a:spLocks noGrp="1" noRot="1" noChangeAspect="1"/>
+          </p:cNvSpPr>
+          <p:nvPr>
+            <p:ph type="sldImg" idx="2"/>
+          </p:nvPr>
+        </p:nvSpPr>
+        <p:spPr>
+          <a:xfrm>
+            <a:off x="381000" y="685800"/>
+            <a:ext cx="6096000" cy="3429000"/>
+          </a:xfrm>
+          <a:custGeom>
+            <a:avLst/>
+            <a:gdLst/>
+            <a:ahLst/>
+            <a:cxnLst/>
+            <a:rect l="l" t="t" r="r" b="b"/>
+            <a:pathLst>
+              <a:path w="120000" h="120000" extrusionOk="0">
+                <a:moveTo>
+                  <a:pt x="0" y="0"/>
+                </a:moveTo>
+                <a:lnTo>
+                  <a:pt x="120000" y="0"/>
+                </a:lnTo>
+                <a:lnTo>
+                  <a:pt x="120000" y="120000"/>
+                </a:lnTo>
+                <a:lnTo>
+                  <a:pt x="0" y="120000"/>
+                </a:lnTo>
+                <a:close/>
+              </a:path>
+            </a:pathLst>
+          </a:custGeom>
+        </p:spPr>
+      </p:sp>
+      <p:sp>
+        <p:nvSpPr>
+          <p:cNvPr id="58" name="Google Shape;58;g6d5b4755ab_0_45:notes"/>
+          <p:cNvSpPr txBox="1">
+            <a:spLocks noGrp="1"/>
+          </p:cNvSpPr>
+          <p:nvPr>
+            <p:ph type="body" idx="1"/>
+          </p:nvPr>
+        </p:nvSpPr>
+        <p:spPr>
+          <a:xfrm>
+            <a:off x="685800" y="4343400"/>
+            <a:ext cx="5486400" cy="4114800"/>
+          </a:xfrm>
+          <a:prstGeom prst="rect">
+            <a:avLst/>
+          </a:prstGeom>
+        </p:spPr>
+        <p:txBody>
+          <a:bodyPr spcFirstLastPara="1" wrap="square" lIns="91425" tIns="91425" rIns="91425" bIns="91425" anchor="t" anchorCtr="0">
+            <a:noAutofit/>
+          </a:bodyPr>
+          <a:lstStyle/>
+          <a:p>
+            <a:pPr marL="0" lvl="0" indent="0" algn="l" rtl="0">
+              <a:spcBef>
+                <a:spcPts val="0"/>
+              </a:spcBef>
+              <a:spcAft>
+                <a:spcPts val="0"/>
+              </a:spcAft>
+              <a:buNone/>
+            </a:pPr>
+            <a:endParaRPr/>
+          </a:p>
+        </p:txBody>
+      </p:sp>
+    </p:spTree>
+    <p:extLst>
+      <p:ext uri="{BB962C8B-B14F-4D97-AF65-F5344CB8AC3E}">
+        <p14:creationId xmlns:p14="http://schemas.microsoft.com/office/powerpoint/2010/main" val="1313159427"/>
+      </p:ext>
+    </p:extLst>
+  </p:cSld>
+  <p:clrMapOvr>
+    <a:masterClrMapping/>
+  </p:clrMapOvr>
+</p:notes>
+</file>
+
+<file path=ppt/notesSlides/notesSlide6.xml><?xml version="1.0" encoding="utf-8"?>
+<p:notes xmlns:a="http://schemas.openxmlformats.org/drawingml/2006/main" xmlns:r="http://schemas.openxmlformats.org/officeDocument/2006/relationships" xmlns:p="http://schemas.openxmlformats.org/presentationml/2006/main" showMasterSp="0" showMasterPhAnim="0">
+  <p:cSld>
+    <p:spTree>
+      <p:nvGrpSpPr>
+        <p:cNvPr id="1" name="Shape 56"/>
+        <p:cNvGrpSpPr/>
+        <p:nvPr/>
+      </p:nvGrpSpPr>
+      <p:grpSpPr>
+        <a:xfrm>
+          <a:off x="0" y="0"/>
+          <a:ext cx="0" cy="0"/>
+          <a:chOff x="0" y="0"/>
+          <a:chExt cx="0" cy="0"/>
+        </a:xfrm>
+      </p:grpSpPr>
+      <p:sp>
+        <p:nvSpPr>
+          <p:cNvPr id="57" name="Google Shape;57;g6d5b4755ab_0_45:notes"/>
+          <p:cNvSpPr>
+            <a:spLocks noGrp="1" noRot="1" noChangeAspect="1"/>
+          </p:cNvSpPr>
+          <p:nvPr>
+            <p:ph type="sldImg" idx="2"/>
+          </p:nvPr>
+        </p:nvSpPr>
+        <p:spPr>
+          <a:xfrm>
+            <a:off x="381000" y="685800"/>
+            <a:ext cx="6096000" cy="3429000"/>
+          </a:xfrm>
+          <a:custGeom>
+            <a:avLst/>
+            <a:gdLst/>
+            <a:ahLst/>
+            <a:cxnLst/>
+            <a:rect l="l" t="t" r="r" b="b"/>
+            <a:pathLst>
+              <a:path w="120000" h="120000" extrusionOk="0">
+                <a:moveTo>
+                  <a:pt x="0" y="0"/>
+                </a:moveTo>
+                <a:lnTo>
+                  <a:pt x="120000" y="0"/>
+                </a:lnTo>
+                <a:lnTo>
+                  <a:pt x="120000" y="120000"/>
+                </a:lnTo>
+                <a:lnTo>
+                  <a:pt x="0" y="120000"/>
+                </a:lnTo>
+                <a:close/>
+              </a:path>
+            </a:pathLst>
+          </a:custGeom>
+        </p:spPr>
+      </p:sp>
+      <p:sp>
+        <p:nvSpPr>
+          <p:cNvPr id="58" name="Google Shape;58;g6d5b4755ab_0_45:notes"/>
+          <p:cNvSpPr txBox="1">
+            <a:spLocks noGrp="1"/>
+          </p:cNvSpPr>
+          <p:nvPr>
+            <p:ph type="body" idx="1"/>
+          </p:nvPr>
+        </p:nvSpPr>
+        <p:spPr>
+          <a:xfrm>
+            <a:off x="685800" y="4343400"/>
+            <a:ext cx="5486400" cy="4114800"/>
+          </a:xfrm>
+          <a:prstGeom prst="rect">
+            <a:avLst/>
+          </a:prstGeom>
+        </p:spPr>
+        <p:txBody>
+          <a:bodyPr spcFirstLastPara="1" wrap="square" lIns="91425" tIns="91425" rIns="91425" bIns="91425" anchor="t" anchorCtr="0">
+            <a:noAutofit/>
+          </a:bodyPr>
+          <a:lstStyle/>
+          <a:p>
+            <a:pPr marL="0" lvl="0" indent="0" algn="l" rtl="0">
+              <a:spcBef>
+                <a:spcPts val="0"/>
+              </a:spcBef>
+              <a:spcAft>
+                <a:spcPts val="0"/>
+              </a:spcAft>
+              <a:buNone/>
+            </a:pPr>
+            <a:endParaRPr/>
+          </a:p>
+        </p:txBody>
+      </p:sp>
+    </p:spTree>
+    <p:extLst>
+      <p:ext uri="{BB962C8B-B14F-4D97-AF65-F5344CB8AC3E}">
+        <p14:creationId xmlns:p14="http://schemas.microsoft.com/office/powerpoint/2010/main" val="2907596355"/>
+      </p:ext>
+    </p:extLst>
+  </p:cSld>
+  <p:clrMapOvr>
+    <a:masterClrMapping/>
+  </p:clrMapOvr>
+</p:notes>
+</file>
+
+<file path=ppt/notesSlides/notesSlide7.xml><?xml version="1.0" encoding="utf-8"?>
+<p:notes xmlns:a="http://schemas.openxmlformats.org/drawingml/2006/main" xmlns:r="http://schemas.openxmlformats.org/officeDocument/2006/relationships" xmlns:p="http://schemas.openxmlformats.org/presentationml/2006/main" showMasterSp="0" showMasterPhAnim="0">
+  <p:cSld>
+    <p:spTree>
+      <p:nvGrpSpPr>
+        <p:cNvPr id="1" name="Shape 56"/>
+        <p:cNvGrpSpPr/>
+        <p:nvPr/>
+      </p:nvGrpSpPr>
+      <p:grpSpPr>
+        <a:xfrm>
+          <a:off x="0" y="0"/>
+          <a:ext cx="0" cy="0"/>
+          <a:chOff x="0" y="0"/>
+          <a:chExt cx="0" cy="0"/>
+        </a:xfrm>
+      </p:grpSpPr>
+      <p:sp>
+        <p:nvSpPr>
+          <p:cNvPr id="57" name="Google Shape;57;g6d5b4755ab_0_45:notes"/>
+          <p:cNvSpPr>
+            <a:spLocks noGrp="1" noRot="1" noChangeAspect="1"/>
+          </p:cNvSpPr>
+          <p:nvPr>
+            <p:ph type="sldImg" idx="2"/>
+          </p:nvPr>
+        </p:nvSpPr>
+        <p:spPr>
+          <a:xfrm>
+            <a:off x="381000" y="685800"/>
+            <a:ext cx="6096000" cy="3429000"/>
+          </a:xfrm>
+          <a:custGeom>
+            <a:avLst/>
+            <a:gdLst/>
+            <a:ahLst/>
+            <a:cxnLst/>
+            <a:rect l="l" t="t" r="r" b="b"/>
+            <a:pathLst>
+              <a:path w="120000" h="120000" extrusionOk="0">
+                <a:moveTo>
+                  <a:pt x="0" y="0"/>
+                </a:moveTo>
+                <a:lnTo>
+                  <a:pt x="120000" y="0"/>
+                </a:lnTo>
+                <a:lnTo>
+                  <a:pt x="120000" y="120000"/>
+                </a:lnTo>
+                <a:lnTo>
+                  <a:pt x="0" y="120000"/>
+                </a:lnTo>
+                <a:close/>
+              </a:path>
+            </a:pathLst>
+          </a:custGeom>
+        </p:spPr>
+      </p:sp>
+      <p:sp>
+        <p:nvSpPr>
+          <p:cNvPr id="58" name="Google Shape;58;g6d5b4755ab_0_45:notes"/>
+          <p:cNvSpPr txBox="1">
+            <a:spLocks noGrp="1"/>
+          </p:cNvSpPr>
+          <p:nvPr>
+            <p:ph type="body" idx="1"/>
+          </p:nvPr>
+        </p:nvSpPr>
+        <p:spPr>
+          <a:xfrm>
+            <a:off x="685800" y="4343400"/>
+            <a:ext cx="5486400" cy="4114800"/>
+          </a:xfrm>
+          <a:prstGeom prst="rect">
+            <a:avLst/>
+          </a:prstGeom>
+        </p:spPr>
+        <p:txBody>
+          <a:bodyPr spcFirstLastPara="1" wrap="square" lIns="91425" tIns="91425" rIns="91425" bIns="91425" anchor="t" anchorCtr="0">
+            <a:noAutofit/>
+          </a:bodyPr>
+          <a:lstStyle/>
+          <a:p>
+            <a:pPr marL="0" lvl="0" indent="0" algn="l" rtl="0">
+              <a:spcBef>
+                <a:spcPts val="0"/>
+              </a:spcBef>
+              <a:spcAft>
+                <a:spcPts val="0"/>
+              </a:spcAft>
+              <a:buNone/>
+            </a:pPr>
+            <a:endParaRPr/>
+          </a:p>
+        </p:txBody>
+      </p:sp>
+    </p:spTree>
+    <p:extLst>
+      <p:ext uri="{BB962C8B-B14F-4D97-AF65-F5344CB8AC3E}">
+        <p14:creationId xmlns:p14="http://schemas.microsoft.com/office/powerpoint/2010/main" val="3869070257"/>
+      </p:ext>
+    </p:extLst>
+  </p:cSld>
+  <p:clrMapOvr>
+    <a:masterClrMapping/>
+  </p:clrMapOvr>
+</p:notes>
+</file>
+
+<file path=ppt/notesSlides/notesSlide8.xml><?xml version="1.0" encoding="utf-8"?>
+<p:notes xmlns:a="http://schemas.openxmlformats.org/drawingml/2006/main" xmlns:r="http://schemas.openxmlformats.org/officeDocument/2006/relationships" xmlns:p="http://schemas.openxmlformats.org/presentationml/2006/main" showMasterSp="0" showMasterPhAnim="0">
+  <p:cSld>
+    <p:spTree>
+      <p:nvGrpSpPr>
+        <p:cNvPr id="1" name="Shape 56"/>
+        <p:cNvGrpSpPr/>
+        <p:nvPr/>
+      </p:nvGrpSpPr>
+      <p:grpSpPr>
+        <a:xfrm>
+          <a:off x="0" y="0"/>
+          <a:ext cx="0" cy="0"/>
+          <a:chOff x="0" y="0"/>
+          <a:chExt cx="0" cy="0"/>
+        </a:xfrm>
+      </p:grpSpPr>
+      <p:sp>
+        <p:nvSpPr>
+          <p:cNvPr id="57" name="Google Shape;57;g6d5b4755ab_0_45:notes"/>
+          <p:cNvSpPr>
+            <a:spLocks noGrp="1" noRot="1" noChangeAspect="1"/>
+          </p:cNvSpPr>
+          <p:nvPr>
+            <p:ph type="sldImg" idx="2"/>
+          </p:nvPr>
+        </p:nvSpPr>
+        <p:spPr>
+          <a:xfrm>
+            <a:off x="381000" y="685800"/>
+            <a:ext cx="6096000" cy="3429000"/>
+          </a:xfrm>
+          <a:custGeom>
+            <a:avLst/>
+            <a:gdLst/>
+            <a:ahLst/>
+            <a:cxnLst/>
+            <a:rect l="l" t="t" r="r" b="b"/>
+            <a:pathLst>
+              <a:path w="120000" h="120000" extrusionOk="0">
+                <a:moveTo>
+                  <a:pt x="0" y="0"/>
+                </a:moveTo>
+                <a:lnTo>
+                  <a:pt x="120000" y="0"/>
+                </a:lnTo>
+                <a:lnTo>
+                  <a:pt x="120000" y="120000"/>
+                </a:lnTo>
+                <a:lnTo>
+                  <a:pt x="0" y="120000"/>
+                </a:lnTo>
+                <a:close/>
+              </a:path>
+            </a:pathLst>
+          </a:custGeom>
+        </p:spPr>
+      </p:sp>
+      <p:sp>
+        <p:nvSpPr>
+          <p:cNvPr id="58" name="Google Shape;58;g6d5b4755ab_0_45:notes"/>
+          <p:cNvSpPr txBox="1">
+            <a:spLocks noGrp="1"/>
+          </p:cNvSpPr>
+          <p:nvPr>
+            <p:ph type="body" idx="1"/>
+          </p:nvPr>
+        </p:nvSpPr>
+        <p:spPr>
+          <a:xfrm>
+            <a:off x="685800" y="4343400"/>
+            <a:ext cx="5486400" cy="4114800"/>
+          </a:xfrm>
+          <a:prstGeom prst="rect">
+            <a:avLst/>
+          </a:prstGeom>
+        </p:spPr>
+        <p:txBody>
+          <a:bodyPr spcFirstLastPara="1" wrap="square" lIns="91425" tIns="91425" rIns="91425" bIns="91425" anchor="t" anchorCtr="0">
+            <a:noAutofit/>
+          </a:bodyPr>
+          <a:lstStyle/>
+          <a:p>
+            <a:pPr marL="0" lvl="0" indent="0" algn="l" rtl="0">
+              <a:spcBef>
+                <a:spcPts val="0"/>
+              </a:spcBef>
+              <a:spcAft>
+                <a:spcPts val="0"/>
+              </a:spcAft>
+              <a:buNone/>
+            </a:pPr>
+            <a:endParaRPr/>
+          </a:p>
+        </p:txBody>
+      </p:sp>
+    </p:spTree>
+    <p:extLst>
+      <p:ext uri="{BB962C8B-B14F-4D97-AF65-F5344CB8AC3E}">
+        <p14:creationId xmlns:p14="http://schemas.microsoft.com/office/powerpoint/2010/main" val="1179851964"/>
+      </p:ext>
+    </p:extLst>
+  </p:cSld>
+  <p:clrMapOvr>
+    <a:masterClrMapping/>
+  </p:clrMapOvr>
+</p:notes>
+</file>
+
+<file path=ppt/notesSlides/notesSlide9.xml><?xml version="1.0" encoding="utf-8"?>
+<p:notes xmlns:a="http://schemas.openxmlformats.org/drawingml/2006/main" xmlns:r="http://schemas.openxmlformats.org/officeDocument/2006/relationships" xmlns:p="http://schemas.openxmlformats.org/presentationml/2006/main" showMasterSp="0" showMasterPhAnim="0">
+  <p:cSld>
+    <p:spTree>
+      <p:nvGrpSpPr>
+        <p:cNvPr id="1" name="Shape 56"/>
+        <p:cNvGrpSpPr/>
+        <p:nvPr/>
+      </p:nvGrpSpPr>
+      <p:grpSpPr>
+        <a:xfrm>
+          <a:off x="0" y="0"/>
+          <a:ext cx="0" cy="0"/>
+          <a:chOff x="0" y="0"/>
+          <a:chExt cx="0" cy="0"/>
+        </a:xfrm>
+      </p:grpSpPr>
+      <p:sp>
+        <p:nvSpPr>
+          <p:cNvPr id="57" name="Google Shape;57;g6d5b4755ab_0_45:notes"/>
+          <p:cNvSpPr>
+            <a:spLocks noGrp="1" noRot="1" noChangeAspect="1"/>
+          </p:cNvSpPr>
+          <p:nvPr>
+            <p:ph type="sldImg" idx="2"/>
+          </p:nvPr>
+        </p:nvSpPr>
+        <p:spPr>
+          <a:xfrm>
+            <a:off x="381000" y="685800"/>
+            <a:ext cx="6096000" cy="3429000"/>
+          </a:xfrm>
+          <a:custGeom>
+            <a:avLst/>
+            <a:gdLst/>
+            <a:ahLst/>
+            <a:cxnLst/>
+            <a:rect l="l" t="t" r="r" b="b"/>
+            <a:pathLst>
+              <a:path w="120000" h="120000" extrusionOk="0">
+                <a:moveTo>
+                  <a:pt x="0" y="0"/>
+                </a:moveTo>
+                <a:lnTo>
+                  <a:pt x="120000" y="0"/>
+                </a:lnTo>
+                <a:lnTo>
+                  <a:pt x="120000" y="120000"/>
+                </a:lnTo>
+                <a:lnTo>
+                  <a:pt x="0" y="120000"/>
+                </a:lnTo>
+                <a:close/>
+              </a:path>
+            </a:pathLst>
+          </a:custGeom>
+        </p:spPr>
+      </p:sp>
+      <p:sp>
+        <p:nvSpPr>
+          <p:cNvPr id="58" name="Google Shape;58;g6d5b4755ab_0_45:notes"/>
+          <p:cNvSpPr txBox="1">
+            <a:spLocks noGrp="1"/>
+          </p:cNvSpPr>
+          <p:nvPr>
+            <p:ph type="body" idx="1"/>
+          </p:nvPr>
+        </p:nvSpPr>
+        <p:spPr>
+          <a:xfrm>
+            <a:off x="685800" y="4343400"/>
+            <a:ext cx="5486400" cy="4114800"/>
+          </a:xfrm>
+          <a:prstGeom prst="rect">
+            <a:avLst/>
+          </a:prstGeom>
+        </p:spPr>
+        <p:txBody>
+          <a:bodyPr spcFirstLastPara="1" wrap="square" lIns="91425" tIns="91425" rIns="91425" bIns="91425" anchor="t" anchorCtr="0">
+            <a:noAutofit/>
+          </a:bodyPr>
+          <a:lstStyle/>
+          <a:p>
+            <a:pPr marL="0" lvl="0" indent="0" algn="l" rtl="0">
+              <a:spcBef>
+                <a:spcPts val="0"/>
+              </a:spcBef>
+              <a:spcAft>
+                <a:spcPts val="0"/>
+              </a:spcAft>
+              <a:buNone/>
+            </a:pPr>
+            <a:endParaRPr/>
+          </a:p>
+        </p:txBody>
+      </p:sp>
+    </p:spTree>
+    <p:extLst>
+      <p:ext uri="{BB962C8B-B14F-4D97-AF65-F5344CB8AC3E}">
+        <p14:creationId xmlns:p14="http://schemas.microsoft.com/office/powerpoint/2010/main" val="1313918714"/>
       </p:ext>
     </p:extLst>
   </p:cSld>
@@ -5941,6 +7042,908 @@
 </p:sld>
 </file>
 
+<file path=ppt/slides/slide10.xml><?xml version="1.0" encoding="utf-8"?>
+<p:sld xmlns:a="http://schemas.openxmlformats.org/drawingml/2006/main" xmlns:r="http://schemas.openxmlformats.org/officeDocument/2006/relationships" xmlns:p="http://schemas.openxmlformats.org/presentationml/2006/main">
+  <p:cSld>
+    <p:spTree>
+      <p:nvGrpSpPr>
+        <p:cNvPr id="1" name="Shape 59"/>
+        <p:cNvGrpSpPr/>
+        <p:nvPr/>
+      </p:nvGrpSpPr>
+      <p:grpSpPr>
+        <a:xfrm>
+          <a:off x="0" y="0"/>
+          <a:ext cx="0" cy="0"/>
+          <a:chOff x="0" y="0"/>
+          <a:chExt cx="0" cy="0"/>
+        </a:xfrm>
+      </p:grpSpPr>
+      <p:sp>
+        <p:nvSpPr>
+          <p:cNvPr id="60" name="Google Shape;60;p14"/>
+          <p:cNvSpPr txBox="1">
+            <a:spLocks noGrp="1"/>
+          </p:cNvSpPr>
+          <p:nvPr>
+            <p:ph type="title"/>
+          </p:nvPr>
+        </p:nvSpPr>
+        <p:spPr>
+          <a:xfrm>
+            <a:off x="311700" y="445025"/>
+            <a:ext cx="8832300" cy="572700"/>
+          </a:xfrm>
+          <a:prstGeom prst="rect">
+            <a:avLst/>
+          </a:prstGeom>
+        </p:spPr>
+        <p:txBody>
+          <a:bodyPr spcFirstLastPara="1" wrap="square" lIns="91425" tIns="91425" rIns="91425" bIns="91425" anchor="t" anchorCtr="0">
+            <a:noAutofit/>
+          </a:bodyPr>
+          <a:lstStyle/>
+          <a:p>
+            <a:pPr lvl="0"/>
+            <a:r>
+              <a:rPr lang="pt-BR" dirty="0"/>
+              <a:t>4</a:t>
+            </a:r>
+            <a:r>
+              <a:rPr lang="pt-BR" dirty="0" smtClean="0"/>
+              <a:t>. Qual </a:t>
+            </a:r>
+            <a:r>
+              <a:rPr lang="pt-BR" dirty="0"/>
+              <a:t>mês apresentou o maior (e o menor) faturamento médio</a:t>
+            </a:r>
+            <a:endParaRPr dirty="0"/>
+          </a:p>
+        </p:txBody>
+      </p:sp>
+      <p:pic>
+        <p:nvPicPr>
+          <p:cNvPr id="4" name="Imagem 3"/>
+          <p:cNvPicPr>
+            <a:picLocks noChangeAspect="1"/>
+          </p:cNvPicPr>
+          <p:nvPr/>
+        </p:nvPicPr>
+        <p:blipFill rotWithShape="1">
+          <a:blip r:embed="rId3">
+            <a:extLst>
+              <a:ext uri="{28A0092B-C50C-407E-A947-70E740481C1C}">
+                <a14:useLocalDpi xmlns:a14="http://schemas.microsoft.com/office/drawing/2010/main" val="0"/>
+              </a:ext>
+            </a:extLst>
+          </a:blip>
+          <a:srcRect l="5998" t="5561" r="7649" b="5028"/>
+          <a:stretch/>
+        </p:blipFill>
+        <p:spPr>
+          <a:xfrm>
+            <a:off x="817333" y="1525799"/>
+            <a:ext cx="6658984" cy="3447430"/>
+          </a:xfrm>
+          <a:prstGeom prst="rect">
+            <a:avLst/>
+          </a:prstGeom>
+        </p:spPr>
+      </p:pic>
+    </p:spTree>
+    <p:extLst>
+      <p:ext uri="{BB962C8B-B14F-4D97-AF65-F5344CB8AC3E}">
+        <p14:creationId xmlns:p14="http://schemas.microsoft.com/office/powerpoint/2010/main" val="1858830207"/>
+      </p:ext>
+    </p:extLst>
+  </p:cSld>
+  <p:clrMapOvr>
+    <a:masterClrMapping/>
+  </p:clrMapOvr>
+</p:sld>
+</file>
+
+<file path=ppt/slides/slide11.xml><?xml version="1.0" encoding="utf-8"?>
+<p:sld xmlns:a="http://schemas.openxmlformats.org/drawingml/2006/main" xmlns:r="http://schemas.openxmlformats.org/officeDocument/2006/relationships" xmlns:p="http://schemas.openxmlformats.org/presentationml/2006/main">
+  <p:cSld>
+    <p:spTree>
+      <p:nvGrpSpPr>
+        <p:cNvPr id="1" name="Shape 59"/>
+        <p:cNvGrpSpPr/>
+        <p:nvPr/>
+      </p:nvGrpSpPr>
+      <p:grpSpPr>
+        <a:xfrm>
+          <a:off x="0" y="0"/>
+          <a:ext cx="0" cy="0"/>
+          <a:chOff x="0" y="0"/>
+          <a:chExt cx="0" cy="0"/>
+        </a:xfrm>
+      </p:grpSpPr>
+      <p:sp>
+        <p:nvSpPr>
+          <p:cNvPr id="60" name="Google Shape;60;p14"/>
+          <p:cNvSpPr txBox="1">
+            <a:spLocks noGrp="1"/>
+          </p:cNvSpPr>
+          <p:nvPr>
+            <p:ph type="title"/>
+          </p:nvPr>
+        </p:nvSpPr>
+        <p:spPr>
+          <a:xfrm>
+            <a:off x="311700" y="445025"/>
+            <a:ext cx="8832300" cy="572700"/>
+          </a:xfrm>
+          <a:prstGeom prst="rect">
+            <a:avLst/>
+          </a:prstGeom>
+        </p:spPr>
+        <p:txBody>
+          <a:bodyPr spcFirstLastPara="1" wrap="square" lIns="91425" tIns="91425" rIns="91425" bIns="91425" anchor="t" anchorCtr="0">
+            <a:noAutofit/>
+          </a:bodyPr>
+          <a:lstStyle/>
+          <a:p>
+            <a:pPr lvl="0"/>
+            <a:r>
+              <a:rPr lang="pt-BR" dirty="0" smtClean="0"/>
+              <a:t>5. </a:t>
+            </a:r>
+            <a:r>
+              <a:rPr lang="pt-BR" dirty="0"/>
+              <a:t>Qual a média de taxa de ocupação para Janeiro? e para Outubro?</a:t>
+            </a:r>
+            <a:endParaRPr dirty="0"/>
+          </a:p>
+        </p:txBody>
+      </p:sp>
+      <p:pic>
+        <p:nvPicPr>
+          <p:cNvPr id="2" name="Imagem 1"/>
+          <p:cNvPicPr>
+            <a:picLocks noChangeAspect="1"/>
+          </p:cNvPicPr>
+          <p:nvPr/>
+        </p:nvPicPr>
+        <p:blipFill rotWithShape="1">
+          <a:blip r:embed="rId3">
+            <a:extLst>
+              <a:ext uri="{28A0092B-C50C-407E-A947-70E740481C1C}">
+                <a14:useLocalDpi xmlns:a14="http://schemas.microsoft.com/office/drawing/2010/main" val="0"/>
+              </a:ext>
+            </a:extLst>
+          </a:blip>
+          <a:srcRect l="6250" t="5568" r="7046" b="3977"/>
+          <a:stretch/>
+        </p:blipFill>
+        <p:spPr>
+          <a:xfrm>
+            <a:off x="761252" y="1476376"/>
+            <a:ext cx="6733046" cy="3512127"/>
+          </a:xfrm>
+          <a:prstGeom prst="rect">
+            <a:avLst/>
+          </a:prstGeom>
+        </p:spPr>
+      </p:pic>
+    </p:spTree>
+    <p:extLst>
+      <p:ext uri="{BB962C8B-B14F-4D97-AF65-F5344CB8AC3E}">
+        <p14:creationId xmlns:p14="http://schemas.microsoft.com/office/powerpoint/2010/main" val="3927264636"/>
+      </p:ext>
+    </p:extLst>
+  </p:cSld>
+  <p:clrMapOvr>
+    <a:masterClrMapping/>
+  </p:clrMapOvr>
+</p:sld>
+</file>
+
+<file path=ppt/slides/slide12.xml><?xml version="1.0" encoding="utf-8"?>
+<p:sld xmlns:a="http://schemas.openxmlformats.org/drawingml/2006/main" xmlns:r="http://schemas.openxmlformats.org/officeDocument/2006/relationships" xmlns:p="http://schemas.openxmlformats.org/presentationml/2006/main">
+  <p:cSld>
+    <p:spTree>
+      <p:nvGrpSpPr>
+        <p:cNvPr id="1" name="Shape 59"/>
+        <p:cNvGrpSpPr/>
+        <p:nvPr/>
+      </p:nvGrpSpPr>
+      <p:grpSpPr>
+        <a:xfrm>
+          <a:off x="0" y="0"/>
+          <a:ext cx="0" cy="0"/>
+          <a:chOff x="0" y="0"/>
+          <a:chExt cx="0" cy="0"/>
+        </a:xfrm>
+      </p:grpSpPr>
+      <p:sp>
+        <p:nvSpPr>
+          <p:cNvPr id="60" name="Google Shape;60;p14"/>
+          <p:cNvSpPr txBox="1">
+            <a:spLocks noGrp="1"/>
+          </p:cNvSpPr>
+          <p:nvPr>
+            <p:ph type="title"/>
+          </p:nvPr>
+        </p:nvSpPr>
+        <p:spPr>
+          <a:xfrm>
+            <a:off x="311700" y="445025"/>
+            <a:ext cx="8832300" cy="572700"/>
+          </a:xfrm>
+          <a:prstGeom prst="rect">
+            <a:avLst/>
+          </a:prstGeom>
+        </p:spPr>
+        <p:txBody>
+          <a:bodyPr spcFirstLastPara="1" wrap="square" lIns="91425" tIns="91425" rIns="91425" bIns="91425" anchor="t" anchorCtr="0">
+            <a:noAutofit/>
+          </a:bodyPr>
+          <a:lstStyle/>
+          <a:p>
+            <a:pPr lvl="0"/>
+            <a:r>
+              <a:rPr lang="pt-BR" dirty="0" smtClean="0"/>
+              <a:t>Dados que devem estar no Data Scraper para predizer preço</a:t>
+            </a:r>
+            <a:endParaRPr dirty="0"/>
+          </a:p>
+        </p:txBody>
+      </p:sp>
+      <p:pic>
+        <p:nvPicPr>
+          <p:cNvPr id="4" name="Imagem 3"/>
+          <p:cNvPicPr>
+            <a:picLocks noChangeAspect="1"/>
+          </p:cNvPicPr>
+          <p:nvPr/>
+        </p:nvPicPr>
+        <p:blipFill>
+          <a:blip r:embed="rId3"/>
+          <a:stretch>
+            <a:fillRect/>
+          </a:stretch>
+        </p:blipFill>
+        <p:spPr>
+          <a:xfrm>
+            <a:off x="979762" y="1590254"/>
+            <a:ext cx="6638925" cy="3232780"/>
+          </a:xfrm>
+          <a:prstGeom prst="rect">
+            <a:avLst/>
+          </a:prstGeom>
+        </p:spPr>
+      </p:pic>
+      <p:sp>
+        <p:nvSpPr>
+          <p:cNvPr id="5" name="Retângulo 4"/>
+          <p:cNvSpPr/>
+          <p:nvPr/>
+        </p:nvSpPr>
+        <p:spPr>
+          <a:xfrm>
+            <a:off x="1304925" y="1819275"/>
+            <a:ext cx="1714500" cy="171450"/>
+          </a:xfrm>
+          <a:prstGeom prst="rect">
+            <a:avLst/>
+          </a:prstGeom>
+          <a:noFill/>
+          <a:ln>
+            <a:solidFill>
+              <a:srgbClr val="FF0000"/>
+            </a:solidFill>
+          </a:ln>
+        </p:spPr>
+        <p:style>
+          <a:lnRef idx="2">
+            <a:schemeClr val="accent1">
+              <a:shade val="50000"/>
+            </a:schemeClr>
+          </a:lnRef>
+          <a:fillRef idx="1">
+            <a:schemeClr val="accent1"/>
+          </a:fillRef>
+          <a:effectRef idx="0">
+            <a:schemeClr val="accent1"/>
+          </a:effectRef>
+          <a:fontRef idx="minor">
+            <a:schemeClr val="lt1"/>
+          </a:fontRef>
+        </p:style>
+        <p:txBody>
+          <a:bodyPr rtlCol="0" anchor="ctr"/>
+          <a:lstStyle/>
+          <a:p>
+            <a:pPr algn="ctr"/>
+            <a:endParaRPr lang="pt-BR"/>
+          </a:p>
+        </p:txBody>
+      </p:sp>
+      <p:sp>
+        <p:nvSpPr>
+          <p:cNvPr id="7" name="Retângulo 6"/>
+          <p:cNvSpPr/>
+          <p:nvPr/>
+        </p:nvSpPr>
+        <p:spPr>
+          <a:xfrm>
+            <a:off x="1304924" y="1590254"/>
+            <a:ext cx="2039663" cy="229021"/>
+          </a:xfrm>
+          <a:prstGeom prst="rect">
+            <a:avLst/>
+          </a:prstGeom>
+          <a:noFill/>
+          <a:ln>
+            <a:solidFill>
+              <a:srgbClr val="FF0000"/>
+            </a:solidFill>
+          </a:ln>
+        </p:spPr>
+        <p:style>
+          <a:lnRef idx="2">
+            <a:schemeClr val="accent1">
+              <a:shade val="50000"/>
+            </a:schemeClr>
+          </a:lnRef>
+          <a:fillRef idx="1">
+            <a:schemeClr val="accent1"/>
+          </a:fillRef>
+          <a:effectRef idx="0">
+            <a:schemeClr val="accent1"/>
+          </a:effectRef>
+          <a:fontRef idx="minor">
+            <a:schemeClr val="lt1"/>
+          </a:fontRef>
+        </p:style>
+        <p:txBody>
+          <a:bodyPr rtlCol="0" anchor="ctr"/>
+          <a:lstStyle/>
+          <a:p>
+            <a:pPr algn="ctr"/>
+            <a:endParaRPr lang="pt-BR"/>
+          </a:p>
+        </p:txBody>
+      </p:sp>
+      <p:sp>
+        <p:nvSpPr>
+          <p:cNvPr id="8" name="Retângulo 7"/>
+          <p:cNvSpPr/>
+          <p:nvPr/>
+        </p:nvSpPr>
+        <p:spPr>
+          <a:xfrm>
+            <a:off x="1304924" y="4371975"/>
+            <a:ext cx="1714500" cy="171450"/>
+          </a:xfrm>
+          <a:prstGeom prst="rect">
+            <a:avLst/>
+          </a:prstGeom>
+          <a:noFill/>
+          <a:ln>
+            <a:solidFill>
+              <a:srgbClr val="FF0000"/>
+            </a:solidFill>
+          </a:ln>
+        </p:spPr>
+        <p:style>
+          <a:lnRef idx="2">
+            <a:schemeClr val="accent1">
+              <a:shade val="50000"/>
+            </a:schemeClr>
+          </a:lnRef>
+          <a:fillRef idx="1">
+            <a:schemeClr val="accent1"/>
+          </a:fillRef>
+          <a:effectRef idx="0">
+            <a:schemeClr val="accent1"/>
+          </a:effectRef>
+          <a:fontRef idx="minor">
+            <a:schemeClr val="lt1"/>
+          </a:fontRef>
+        </p:style>
+        <p:txBody>
+          <a:bodyPr rtlCol="0" anchor="ctr"/>
+          <a:lstStyle/>
+          <a:p>
+            <a:pPr algn="ctr"/>
+            <a:endParaRPr lang="pt-BR"/>
+          </a:p>
+        </p:txBody>
+      </p:sp>
+      <p:sp>
+        <p:nvSpPr>
+          <p:cNvPr id="9" name="Retângulo 8"/>
+          <p:cNvSpPr/>
+          <p:nvPr/>
+        </p:nvSpPr>
+        <p:spPr>
+          <a:xfrm>
+            <a:off x="5391150" y="4257675"/>
+            <a:ext cx="714375" cy="171450"/>
+          </a:xfrm>
+          <a:prstGeom prst="rect">
+            <a:avLst/>
+          </a:prstGeom>
+          <a:noFill/>
+          <a:ln>
+            <a:solidFill>
+              <a:srgbClr val="FF0000"/>
+            </a:solidFill>
+          </a:ln>
+        </p:spPr>
+        <p:style>
+          <a:lnRef idx="2">
+            <a:schemeClr val="accent1">
+              <a:shade val="50000"/>
+            </a:schemeClr>
+          </a:lnRef>
+          <a:fillRef idx="1">
+            <a:schemeClr val="accent1"/>
+          </a:fillRef>
+          <a:effectRef idx="0">
+            <a:schemeClr val="accent1"/>
+          </a:effectRef>
+          <a:fontRef idx="minor">
+            <a:schemeClr val="lt1"/>
+          </a:fontRef>
+        </p:style>
+        <p:txBody>
+          <a:bodyPr rtlCol="0" anchor="ctr"/>
+          <a:lstStyle/>
+          <a:p>
+            <a:pPr algn="ctr"/>
+            <a:endParaRPr lang="pt-BR"/>
+          </a:p>
+        </p:txBody>
+      </p:sp>
+    </p:spTree>
+    <p:extLst>
+      <p:ext uri="{BB962C8B-B14F-4D97-AF65-F5344CB8AC3E}">
+        <p14:creationId xmlns:p14="http://schemas.microsoft.com/office/powerpoint/2010/main" val="2178787213"/>
+      </p:ext>
+    </p:extLst>
+  </p:cSld>
+  <p:clrMapOvr>
+    <a:masterClrMapping/>
+  </p:clrMapOvr>
+</p:sld>
+</file>
+
+<file path=ppt/slides/slide13.xml><?xml version="1.0" encoding="utf-8"?>
+<p:sld xmlns:a="http://schemas.openxmlformats.org/drawingml/2006/main" xmlns:r="http://schemas.openxmlformats.org/officeDocument/2006/relationships" xmlns:p="http://schemas.openxmlformats.org/presentationml/2006/main">
+  <p:cSld>
+    <p:spTree>
+      <p:nvGrpSpPr>
+        <p:cNvPr id="1" name="Shape 59"/>
+        <p:cNvGrpSpPr/>
+        <p:nvPr/>
+      </p:nvGrpSpPr>
+      <p:grpSpPr>
+        <a:xfrm>
+          <a:off x="0" y="0"/>
+          <a:ext cx="0" cy="0"/>
+          <a:chOff x="0" y="0"/>
+          <a:chExt cx="0" cy="0"/>
+        </a:xfrm>
+      </p:grpSpPr>
+      <p:pic>
+        <p:nvPicPr>
+          <p:cNvPr id="3" name="Imagem 2"/>
+          <p:cNvPicPr>
+            <a:picLocks noChangeAspect="1"/>
+          </p:cNvPicPr>
+          <p:nvPr/>
+        </p:nvPicPr>
+        <p:blipFill>
+          <a:blip r:embed="rId3"/>
+          <a:stretch>
+            <a:fillRect/>
+          </a:stretch>
+        </p:blipFill>
+        <p:spPr>
+          <a:xfrm>
+            <a:off x="1190141" y="352060"/>
+            <a:ext cx="6220309" cy="4682321"/>
+          </a:xfrm>
+          <a:prstGeom prst="rect">
+            <a:avLst/>
+          </a:prstGeom>
+        </p:spPr>
+      </p:pic>
+      <p:sp>
+        <p:nvSpPr>
+          <p:cNvPr id="10" name="Retângulo 9"/>
+          <p:cNvSpPr/>
+          <p:nvPr/>
+        </p:nvSpPr>
+        <p:spPr>
+          <a:xfrm>
+            <a:off x="1457325" y="552450"/>
+            <a:ext cx="2028825" cy="1771650"/>
+          </a:xfrm>
+          <a:prstGeom prst="rect">
+            <a:avLst/>
+          </a:prstGeom>
+          <a:noFill/>
+          <a:ln>
+            <a:solidFill>
+              <a:srgbClr val="FF0000"/>
+            </a:solidFill>
+          </a:ln>
+        </p:spPr>
+        <p:style>
+          <a:lnRef idx="2">
+            <a:schemeClr val="accent1">
+              <a:shade val="50000"/>
+            </a:schemeClr>
+          </a:lnRef>
+          <a:fillRef idx="1">
+            <a:schemeClr val="accent1"/>
+          </a:fillRef>
+          <a:effectRef idx="0">
+            <a:schemeClr val="accent1"/>
+          </a:effectRef>
+          <a:fontRef idx="minor">
+            <a:schemeClr val="lt1"/>
+          </a:fontRef>
+        </p:style>
+        <p:txBody>
+          <a:bodyPr rtlCol="0" anchor="ctr"/>
+          <a:lstStyle/>
+          <a:p>
+            <a:pPr algn="ctr"/>
+            <a:endParaRPr lang="pt-BR"/>
+          </a:p>
+        </p:txBody>
+      </p:sp>
+      <p:sp>
+        <p:nvSpPr>
+          <p:cNvPr id="11" name="Retângulo 10"/>
+          <p:cNvSpPr/>
+          <p:nvPr/>
+        </p:nvSpPr>
+        <p:spPr>
+          <a:xfrm>
+            <a:off x="1457325" y="3448049"/>
+            <a:ext cx="800100" cy="219075"/>
+          </a:xfrm>
+          <a:prstGeom prst="rect">
+            <a:avLst/>
+          </a:prstGeom>
+          <a:noFill/>
+          <a:ln>
+            <a:solidFill>
+              <a:srgbClr val="FF0000"/>
+            </a:solidFill>
+          </a:ln>
+        </p:spPr>
+        <p:style>
+          <a:lnRef idx="2">
+            <a:schemeClr val="accent1">
+              <a:shade val="50000"/>
+            </a:schemeClr>
+          </a:lnRef>
+          <a:fillRef idx="1">
+            <a:schemeClr val="accent1"/>
+          </a:fillRef>
+          <a:effectRef idx="0">
+            <a:schemeClr val="accent1"/>
+          </a:effectRef>
+          <a:fontRef idx="minor">
+            <a:schemeClr val="lt1"/>
+          </a:fontRef>
+        </p:style>
+        <p:txBody>
+          <a:bodyPr rtlCol="0" anchor="ctr"/>
+          <a:lstStyle/>
+          <a:p>
+            <a:pPr algn="ctr"/>
+            <a:endParaRPr lang="pt-BR"/>
+          </a:p>
+        </p:txBody>
+      </p:sp>
+      <p:sp>
+        <p:nvSpPr>
+          <p:cNvPr id="12" name="Retângulo 11"/>
+          <p:cNvSpPr/>
+          <p:nvPr/>
+        </p:nvSpPr>
+        <p:spPr>
+          <a:xfrm>
+            <a:off x="4429125" y="3448049"/>
+            <a:ext cx="1590675" cy="952500"/>
+          </a:xfrm>
+          <a:prstGeom prst="rect">
+            <a:avLst/>
+          </a:prstGeom>
+          <a:noFill/>
+          <a:ln>
+            <a:solidFill>
+              <a:srgbClr val="FF0000"/>
+            </a:solidFill>
+          </a:ln>
+        </p:spPr>
+        <p:style>
+          <a:lnRef idx="2">
+            <a:schemeClr val="accent1">
+              <a:shade val="50000"/>
+            </a:schemeClr>
+          </a:lnRef>
+          <a:fillRef idx="1">
+            <a:schemeClr val="accent1"/>
+          </a:fillRef>
+          <a:effectRef idx="0">
+            <a:schemeClr val="accent1"/>
+          </a:effectRef>
+          <a:fontRef idx="minor">
+            <a:schemeClr val="lt1"/>
+          </a:fontRef>
+        </p:style>
+        <p:txBody>
+          <a:bodyPr rtlCol="0" anchor="ctr"/>
+          <a:lstStyle/>
+          <a:p>
+            <a:pPr algn="ctr"/>
+            <a:endParaRPr lang="pt-BR"/>
+          </a:p>
+        </p:txBody>
+      </p:sp>
+    </p:spTree>
+    <p:extLst>
+      <p:ext uri="{BB962C8B-B14F-4D97-AF65-F5344CB8AC3E}">
+        <p14:creationId xmlns:p14="http://schemas.microsoft.com/office/powerpoint/2010/main" val="2106055826"/>
+      </p:ext>
+    </p:extLst>
+  </p:cSld>
+  <p:clrMapOvr>
+    <a:masterClrMapping/>
+  </p:clrMapOvr>
+</p:sld>
+</file>
+
+<file path=ppt/slides/slide14.xml><?xml version="1.0" encoding="utf-8"?>
+<p:sld xmlns:a="http://schemas.openxmlformats.org/drawingml/2006/main" xmlns:r="http://schemas.openxmlformats.org/officeDocument/2006/relationships" xmlns:p="http://schemas.openxmlformats.org/presentationml/2006/main">
+  <p:cSld>
+    <p:spTree>
+      <p:nvGrpSpPr>
+        <p:cNvPr id="1" name=""/>
+        <p:cNvGrpSpPr/>
+        <p:nvPr/>
+      </p:nvGrpSpPr>
+      <p:grpSpPr>
+        <a:xfrm>
+          <a:off x="0" y="0"/>
+          <a:ext cx="0" cy="0"/>
+          <a:chOff x="0" y="0"/>
+          <a:chExt cx="0" cy="0"/>
+        </a:xfrm>
+      </p:grpSpPr>
+      <p:pic>
+        <p:nvPicPr>
+          <p:cNvPr id="4" name="Imagem 3"/>
+          <p:cNvPicPr>
+            <a:picLocks noChangeAspect="1"/>
+          </p:cNvPicPr>
+          <p:nvPr/>
+        </p:nvPicPr>
+        <p:blipFill>
+          <a:blip r:embed="rId2"/>
+          <a:stretch>
+            <a:fillRect/>
+          </a:stretch>
+        </p:blipFill>
+        <p:spPr>
+          <a:xfrm>
+            <a:off x="723900" y="552450"/>
+            <a:ext cx="6934200" cy="1087718"/>
+          </a:xfrm>
+          <a:prstGeom prst="rect">
+            <a:avLst/>
+          </a:prstGeom>
+        </p:spPr>
+      </p:pic>
+      <p:sp>
+        <p:nvSpPr>
+          <p:cNvPr id="5" name="Retângulo 4"/>
+          <p:cNvSpPr/>
+          <p:nvPr/>
+        </p:nvSpPr>
+        <p:spPr>
+          <a:xfrm>
+            <a:off x="723900" y="552450"/>
+            <a:ext cx="6934200" cy="1087718"/>
+          </a:xfrm>
+          <a:prstGeom prst="rect">
+            <a:avLst/>
+          </a:prstGeom>
+          <a:noFill/>
+          <a:ln>
+            <a:solidFill>
+              <a:srgbClr val="FF0000"/>
+            </a:solidFill>
+          </a:ln>
+        </p:spPr>
+        <p:style>
+          <a:lnRef idx="2">
+            <a:schemeClr val="accent1">
+              <a:shade val="50000"/>
+            </a:schemeClr>
+          </a:lnRef>
+          <a:fillRef idx="1">
+            <a:schemeClr val="accent1"/>
+          </a:fillRef>
+          <a:effectRef idx="0">
+            <a:schemeClr val="accent1"/>
+          </a:effectRef>
+          <a:fontRef idx="minor">
+            <a:schemeClr val="lt1"/>
+          </a:fontRef>
+        </p:style>
+        <p:txBody>
+          <a:bodyPr rtlCol="0" anchor="ctr"/>
+          <a:lstStyle/>
+          <a:p>
+            <a:pPr algn="ctr"/>
+            <a:endParaRPr lang="pt-BR"/>
+          </a:p>
+        </p:txBody>
+      </p:sp>
+      <p:pic>
+        <p:nvPicPr>
+          <p:cNvPr id="6" name="Imagem 5"/>
+          <p:cNvPicPr>
+            <a:picLocks noChangeAspect="1"/>
+          </p:cNvPicPr>
+          <p:nvPr/>
+        </p:nvPicPr>
+        <p:blipFill>
+          <a:blip r:embed="rId3"/>
+          <a:stretch>
+            <a:fillRect/>
+          </a:stretch>
+        </p:blipFill>
+        <p:spPr>
+          <a:xfrm>
+            <a:off x="723900" y="1909969"/>
+            <a:ext cx="4242915" cy="623681"/>
+          </a:xfrm>
+          <a:prstGeom prst="rect">
+            <a:avLst/>
+          </a:prstGeom>
+        </p:spPr>
+      </p:pic>
+      <p:sp>
+        <p:nvSpPr>
+          <p:cNvPr id="7" name="Retângulo 6"/>
+          <p:cNvSpPr/>
+          <p:nvPr/>
+        </p:nvSpPr>
+        <p:spPr>
+          <a:xfrm>
+            <a:off x="723900" y="1892787"/>
+            <a:ext cx="4242915" cy="640863"/>
+          </a:xfrm>
+          <a:prstGeom prst="rect">
+            <a:avLst/>
+          </a:prstGeom>
+          <a:noFill/>
+          <a:ln>
+            <a:solidFill>
+              <a:srgbClr val="FF0000"/>
+            </a:solidFill>
+          </a:ln>
+        </p:spPr>
+        <p:style>
+          <a:lnRef idx="2">
+            <a:schemeClr val="accent1">
+              <a:shade val="50000"/>
+            </a:schemeClr>
+          </a:lnRef>
+          <a:fillRef idx="1">
+            <a:schemeClr val="accent1"/>
+          </a:fillRef>
+          <a:effectRef idx="0">
+            <a:schemeClr val="accent1"/>
+          </a:effectRef>
+          <a:fontRef idx="minor">
+            <a:schemeClr val="lt1"/>
+          </a:fontRef>
+        </p:style>
+        <p:txBody>
+          <a:bodyPr rtlCol="0" anchor="ctr"/>
+          <a:lstStyle/>
+          <a:p>
+            <a:pPr algn="ctr"/>
+            <a:endParaRPr lang="pt-BR"/>
+          </a:p>
+        </p:txBody>
+      </p:sp>
+      <p:pic>
+        <p:nvPicPr>
+          <p:cNvPr id="8" name="Imagem 7"/>
+          <p:cNvPicPr>
+            <a:picLocks noChangeAspect="1"/>
+          </p:cNvPicPr>
+          <p:nvPr/>
+        </p:nvPicPr>
+        <p:blipFill>
+          <a:blip r:embed="rId4"/>
+          <a:stretch>
+            <a:fillRect/>
+          </a:stretch>
+        </p:blipFill>
+        <p:spPr>
+          <a:xfrm>
+            <a:off x="723900" y="2914683"/>
+            <a:ext cx="2653640" cy="1586753"/>
+          </a:xfrm>
+          <a:prstGeom prst="rect">
+            <a:avLst/>
+          </a:prstGeom>
+        </p:spPr>
+      </p:pic>
+      <p:sp>
+        <p:nvSpPr>
+          <p:cNvPr id="9" name="Retângulo 8"/>
+          <p:cNvSpPr/>
+          <p:nvPr/>
+        </p:nvSpPr>
+        <p:spPr>
+          <a:xfrm>
+            <a:off x="723899" y="2914683"/>
+            <a:ext cx="2653641" cy="1586753"/>
+          </a:xfrm>
+          <a:prstGeom prst="rect">
+            <a:avLst/>
+          </a:prstGeom>
+          <a:noFill/>
+          <a:ln>
+            <a:solidFill>
+              <a:srgbClr val="FF0000"/>
+            </a:solidFill>
+          </a:ln>
+        </p:spPr>
+        <p:style>
+          <a:lnRef idx="2">
+            <a:schemeClr val="accent1">
+              <a:shade val="50000"/>
+            </a:schemeClr>
+          </a:lnRef>
+          <a:fillRef idx="1">
+            <a:schemeClr val="accent1"/>
+          </a:fillRef>
+          <a:effectRef idx="0">
+            <a:schemeClr val="accent1"/>
+          </a:effectRef>
+          <a:fontRef idx="minor">
+            <a:schemeClr val="lt1"/>
+          </a:fontRef>
+        </p:style>
+        <p:txBody>
+          <a:bodyPr rtlCol="0" anchor="ctr"/>
+          <a:lstStyle/>
+          <a:p>
+            <a:pPr algn="ctr"/>
+            <a:endParaRPr lang="pt-BR"/>
+          </a:p>
+        </p:txBody>
+      </p:sp>
+    </p:spTree>
+    <p:extLst>
+      <p:ext uri="{BB962C8B-B14F-4D97-AF65-F5344CB8AC3E}">
+        <p14:creationId xmlns:p14="http://schemas.microsoft.com/office/powerpoint/2010/main" val="1919413383"/>
+      </p:ext>
+    </p:extLst>
+  </p:cSld>
+  <p:clrMapOvr>
+    <a:masterClrMapping/>
+  </p:clrMapOvr>
+</p:sld>
+</file>
+
 <file path=ppt/slides/slide2.xml><?xml version="1.0" encoding="utf-8"?>
 <p:sld xmlns:a="http://schemas.openxmlformats.org/drawingml/2006/main" xmlns:r="http://schemas.openxmlformats.org/officeDocument/2006/relationships" xmlns:p="http://schemas.openxmlformats.org/presentationml/2006/main">
   <p:cSld>
@@ -6286,16 +8289,1149 @@
             </a:pPr>
             <a:r>
               <a:rPr lang="pt-BR" dirty="0" smtClean="0"/>
-              <a:t>Transformação dos dados</a:t>
+              <a:t>Migração para o Python</a:t>
             </a:r>
             <a:endParaRPr dirty="0"/>
+          </a:p>
+        </p:txBody>
+      </p:sp>
+      <p:pic>
+        <p:nvPicPr>
+          <p:cNvPr id="3" name="Imagem 2"/>
+          <p:cNvPicPr>
+            <a:picLocks noChangeAspect="1"/>
+          </p:cNvPicPr>
+          <p:nvPr/>
+        </p:nvPicPr>
+        <p:blipFill>
+          <a:blip r:embed="rId3"/>
+          <a:stretch>
+            <a:fillRect/>
+          </a:stretch>
+        </p:blipFill>
+        <p:spPr>
+          <a:xfrm>
+            <a:off x="740732" y="1167004"/>
+            <a:ext cx="2815228" cy="1628149"/>
+          </a:xfrm>
+          <a:prstGeom prst="rect">
+            <a:avLst/>
+          </a:prstGeom>
+        </p:spPr>
+      </p:pic>
+      <p:pic>
+        <p:nvPicPr>
+          <p:cNvPr id="4" name="Imagem 3"/>
+          <p:cNvPicPr>
+            <a:picLocks noChangeAspect="1"/>
+          </p:cNvPicPr>
+          <p:nvPr/>
+        </p:nvPicPr>
+        <p:blipFill>
+          <a:blip r:embed="rId4"/>
+          <a:stretch>
+            <a:fillRect/>
+          </a:stretch>
+        </p:blipFill>
+        <p:spPr>
+          <a:xfrm>
+            <a:off x="5444128" y="1177395"/>
+            <a:ext cx="2825030" cy="1633817"/>
+          </a:xfrm>
+          <a:prstGeom prst="rect">
+            <a:avLst/>
+          </a:prstGeom>
+        </p:spPr>
+      </p:pic>
+      <p:pic>
+        <p:nvPicPr>
+          <p:cNvPr id="2" name="Imagem 1"/>
+          <p:cNvPicPr>
+            <a:picLocks noChangeAspect="1"/>
+          </p:cNvPicPr>
+          <p:nvPr/>
+        </p:nvPicPr>
+        <p:blipFill>
+          <a:blip r:embed="rId5"/>
+          <a:stretch>
+            <a:fillRect/>
+          </a:stretch>
+        </p:blipFill>
+        <p:spPr>
+          <a:xfrm>
+            <a:off x="150153" y="3638444"/>
+            <a:ext cx="3985025" cy="1182939"/>
+          </a:xfrm>
+          <a:prstGeom prst="rect">
+            <a:avLst/>
+          </a:prstGeom>
+        </p:spPr>
+      </p:pic>
+      <p:pic>
+        <p:nvPicPr>
+          <p:cNvPr id="5" name="Imagem 4"/>
+          <p:cNvPicPr>
+            <a:picLocks noChangeAspect="1"/>
+          </p:cNvPicPr>
+          <p:nvPr/>
+        </p:nvPicPr>
+        <p:blipFill>
+          <a:blip r:embed="rId6"/>
+          <a:stretch>
+            <a:fillRect/>
+          </a:stretch>
+        </p:blipFill>
+        <p:spPr>
+          <a:xfrm>
+            <a:off x="4961047" y="3638444"/>
+            <a:ext cx="3791189" cy="1181313"/>
+          </a:xfrm>
+          <a:prstGeom prst="rect">
+            <a:avLst/>
+          </a:prstGeom>
+        </p:spPr>
+      </p:pic>
+      <p:cxnSp>
+        <p:nvCxnSpPr>
+          <p:cNvPr id="13" name="Conector de Seta Reta 12"/>
+          <p:cNvCxnSpPr>
+            <a:stCxn id="3" idx="2"/>
+            <a:endCxn id="2" idx="0"/>
+          </p:cNvCxnSpPr>
+          <p:nvPr/>
+        </p:nvCxnSpPr>
+        <p:spPr>
+          <a:xfrm flipH="1">
+            <a:off x="2142666" y="2795153"/>
+            <a:ext cx="5680" cy="843291"/>
+          </a:xfrm>
+          <a:prstGeom prst="straightConnector1">
+            <a:avLst/>
+          </a:prstGeom>
+          <a:ln w="76200">
+            <a:solidFill>
+              <a:schemeClr val="tx1"/>
+            </a:solidFill>
+            <a:tailEnd type="triangle"/>
+          </a:ln>
+        </p:spPr>
+        <p:style>
+          <a:lnRef idx="1">
+            <a:schemeClr val="accent1"/>
+          </a:lnRef>
+          <a:fillRef idx="0">
+            <a:schemeClr val="accent1"/>
+          </a:fillRef>
+          <a:effectRef idx="0">
+            <a:schemeClr val="accent1"/>
+          </a:effectRef>
+          <a:fontRef idx="minor">
+            <a:schemeClr val="tx1"/>
+          </a:fontRef>
+        </p:style>
+      </p:cxnSp>
+      <p:cxnSp>
+        <p:nvCxnSpPr>
+          <p:cNvPr id="15" name="Conector de Seta Reta 14"/>
+          <p:cNvCxnSpPr>
+            <a:stCxn id="4" idx="2"/>
+            <a:endCxn id="5" idx="0"/>
+          </p:cNvCxnSpPr>
+          <p:nvPr/>
+        </p:nvCxnSpPr>
+        <p:spPr>
+          <a:xfrm flipH="1">
+            <a:off x="6856642" y="2811212"/>
+            <a:ext cx="1" cy="827232"/>
+          </a:xfrm>
+          <a:prstGeom prst="straightConnector1">
+            <a:avLst/>
+          </a:prstGeom>
+          <a:ln w="76200">
+            <a:solidFill>
+              <a:schemeClr val="tx1"/>
+            </a:solidFill>
+            <a:tailEnd type="triangle"/>
+          </a:ln>
+        </p:spPr>
+        <p:style>
+          <a:lnRef idx="1">
+            <a:schemeClr val="accent1"/>
+          </a:lnRef>
+          <a:fillRef idx="0">
+            <a:schemeClr val="accent1"/>
+          </a:fillRef>
+          <a:effectRef idx="0">
+            <a:schemeClr val="accent1"/>
+          </a:effectRef>
+          <a:fontRef idx="minor">
+            <a:schemeClr val="tx1"/>
+          </a:fontRef>
+        </p:style>
+      </p:cxnSp>
+      <p:sp>
+        <p:nvSpPr>
+          <p:cNvPr id="17" name="CaixaDeTexto 16"/>
+          <p:cNvSpPr txBox="1"/>
+          <p:nvPr/>
+        </p:nvSpPr>
+        <p:spPr>
+          <a:xfrm>
+            <a:off x="4148383" y="1866419"/>
+            <a:ext cx="825869" cy="307777"/>
+          </a:xfrm>
+          <a:prstGeom prst="rect">
+            <a:avLst/>
+          </a:prstGeom>
+          <a:noFill/>
+        </p:spPr>
+        <p:txBody>
+          <a:bodyPr wrap="square" rtlCol="0">
+            <a:spAutoFit/>
+          </a:bodyPr>
+          <a:lstStyle/>
+          <a:p>
+            <a:pPr algn="ctr"/>
+            <a:r>
+              <a:rPr lang="pt-BR" dirty="0" smtClean="0">
+                <a:solidFill>
+                  <a:schemeClr val="tx1"/>
+                </a:solidFill>
+              </a:rPr>
+              <a:t>CSV</a:t>
+            </a:r>
+            <a:endParaRPr lang="pt-BR" dirty="0">
+              <a:solidFill>
+                <a:schemeClr val="tx1"/>
+              </a:solidFill>
+            </a:endParaRPr>
+          </a:p>
+        </p:txBody>
+      </p:sp>
+      <p:sp>
+        <p:nvSpPr>
+          <p:cNvPr id="19" name="CaixaDeTexto 18"/>
+          <p:cNvSpPr txBox="1"/>
+          <p:nvPr/>
+        </p:nvSpPr>
+        <p:spPr>
+          <a:xfrm>
+            <a:off x="3579668" y="3021677"/>
+            <a:ext cx="1984663" cy="307777"/>
+          </a:xfrm>
+          <a:prstGeom prst="rect">
+            <a:avLst/>
+          </a:prstGeom>
+          <a:noFill/>
+        </p:spPr>
+        <p:txBody>
+          <a:bodyPr wrap="square" rtlCol="0">
+            <a:spAutoFit/>
+          </a:bodyPr>
+          <a:lstStyle/>
+          <a:p>
+            <a:pPr algn="ctr"/>
+            <a:r>
+              <a:rPr lang="pt-BR" dirty="0" smtClean="0">
+                <a:solidFill>
+                  <a:schemeClr val="tx1"/>
+                </a:solidFill>
+              </a:rPr>
+              <a:t>Pandas Data Frame</a:t>
+            </a:r>
+            <a:endParaRPr lang="pt-BR" dirty="0">
+              <a:solidFill>
+                <a:schemeClr val="tx1"/>
+              </a:solidFill>
+            </a:endParaRPr>
+          </a:p>
+        </p:txBody>
+      </p:sp>
+      <p:cxnSp>
+        <p:nvCxnSpPr>
+          <p:cNvPr id="20" name="Conector de Seta Reta 19"/>
+          <p:cNvCxnSpPr>
+            <a:stCxn id="17" idx="2"/>
+            <a:endCxn id="19" idx="0"/>
+          </p:cNvCxnSpPr>
+          <p:nvPr/>
+        </p:nvCxnSpPr>
+        <p:spPr>
+          <a:xfrm>
+            <a:off x="4561318" y="2174196"/>
+            <a:ext cx="10682" cy="847481"/>
+          </a:xfrm>
+          <a:prstGeom prst="straightConnector1">
+            <a:avLst/>
+          </a:prstGeom>
+          <a:ln w="38100">
+            <a:solidFill>
+              <a:schemeClr val="tx1"/>
+            </a:solidFill>
+            <a:tailEnd type="triangle"/>
+          </a:ln>
+        </p:spPr>
+        <p:style>
+          <a:lnRef idx="1">
+            <a:schemeClr val="accent1"/>
+          </a:lnRef>
+          <a:fillRef idx="0">
+            <a:schemeClr val="accent1"/>
+          </a:fillRef>
+          <a:effectRef idx="0">
+            <a:schemeClr val="accent1"/>
+          </a:effectRef>
+          <a:fontRef idx="minor">
+            <a:schemeClr val="tx1"/>
+          </a:fontRef>
+        </p:style>
+      </p:cxnSp>
+    </p:spTree>
+    <p:extLst>
+      <p:ext uri="{BB962C8B-B14F-4D97-AF65-F5344CB8AC3E}">
+        <p14:creationId xmlns:p14="http://schemas.microsoft.com/office/powerpoint/2010/main" val="3500313805"/>
+      </p:ext>
+    </p:extLst>
+  </p:cSld>
+  <p:clrMapOvr>
+    <a:masterClrMapping/>
+  </p:clrMapOvr>
+</p:sld>
+</file>
+
+<file path=ppt/slides/slide4.xml><?xml version="1.0" encoding="utf-8"?>
+<p:sld xmlns:a="http://schemas.openxmlformats.org/drawingml/2006/main" xmlns:r="http://schemas.openxmlformats.org/officeDocument/2006/relationships" xmlns:p="http://schemas.openxmlformats.org/presentationml/2006/main">
+  <p:cSld>
+    <p:spTree>
+      <p:nvGrpSpPr>
+        <p:cNvPr id="1" name="Shape 59"/>
+        <p:cNvGrpSpPr/>
+        <p:nvPr/>
+      </p:nvGrpSpPr>
+      <p:grpSpPr>
+        <a:xfrm>
+          <a:off x="0" y="0"/>
+          <a:ext cx="0" cy="0"/>
+          <a:chOff x="0" y="0"/>
+          <a:chExt cx="0" cy="0"/>
+        </a:xfrm>
+      </p:grpSpPr>
+      <p:sp>
+        <p:nvSpPr>
+          <p:cNvPr id="60" name="Google Shape;60;p14"/>
+          <p:cNvSpPr txBox="1">
+            <a:spLocks noGrp="1"/>
+          </p:cNvSpPr>
+          <p:nvPr>
+            <p:ph type="title"/>
+          </p:nvPr>
+        </p:nvSpPr>
+        <p:spPr>
+          <a:xfrm>
+            <a:off x="311700" y="445025"/>
+            <a:ext cx="8520600" cy="572700"/>
+          </a:xfrm>
+          <a:prstGeom prst="rect">
+            <a:avLst/>
+          </a:prstGeom>
+        </p:spPr>
+        <p:txBody>
+          <a:bodyPr spcFirstLastPara="1" wrap="square" lIns="91425" tIns="91425" rIns="91425" bIns="91425" anchor="t" anchorCtr="0">
+            <a:noAutofit/>
+          </a:bodyPr>
+          <a:lstStyle/>
+          <a:p>
+            <a:pPr lvl="0"/>
+            <a:r>
+              <a:rPr lang="pt-BR" dirty="0" smtClean="0"/>
+              <a:t>1</a:t>
+            </a:r>
+            <a:r>
+              <a:rPr lang="pt-BR" dirty="0"/>
+              <a:t>. O ID que teve o maior faturamento</a:t>
+            </a:r>
+            <a:endParaRPr dirty="0"/>
+          </a:p>
+        </p:txBody>
+      </p:sp>
+      <p:pic>
+        <p:nvPicPr>
+          <p:cNvPr id="6" name="Imagem 5"/>
+          <p:cNvPicPr>
+            <a:picLocks noChangeAspect="1"/>
+          </p:cNvPicPr>
+          <p:nvPr/>
+        </p:nvPicPr>
+        <p:blipFill>
+          <a:blip r:embed="rId3"/>
+          <a:stretch>
+            <a:fillRect/>
+          </a:stretch>
+        </p:blipFill>
+        <p:spPr>
+          <a:xfrm>
+            <a:off x="1728390" y="1126437"/>
+            <a:ext cx="5687219" cy="1581371"/>
+          </a:xfrm>
+          <a:prstGeom prst="rect">
+            <a:avLst/>
+          </a:prstGeom>
+        </p:spPr>
+      </p:pic>
+      <p:pic>
+        <p:nvPicPr>
+          <p:cNvPr id="7" name="Imagem 6"/>
+          <p:cNvPicPr>
+            <a:picLocks noChangeAspect="1"/>
+          </p:cNvPicPr>
+          <p:nvPr/>
+        </p:nvPicPr>
+        <p:blipFill>
+          <a:blip r:embed="rId4"/>
+          <a:stretch>
+            <a:fillRect/>
+          </a:stretch>
+        </p:blipFill>
+        <p:spPr>
+          <a:xfrm>
+            <a:off x="1766495" y="3775758"/>
+            <a:ext cx="5611008" cy="543001"/>
+          </a:xfrm>
+          <a:prstGeom prst="rect">
+            <a:avLst/>
+          </a:prstGeom>
+        </p:spPr>
+      </p:pic>
+      <p:cxnSp>
+        <p:nvCxnSpPr>
+          <p:cNvPr id="9" name="Conector de Seta Reta 8"/>
+          <p:cNvCxnSpPr>
+            <a:stCxn id="6" idx="2"/>
+            <a:endCxn id="7" idx="0"/>
+          </p:cNvCxnSpPr>
+          <p:nvPr/>
+        </p:nvCxnSpPr>
+        <p:spPr>
+          <a:xfrm flipH="1">
+            <a:off x="4571999" y="2707808"/>
+            <a:ext cx="1" cy="1067950"/>
+          </a:xfrm>
+          <a:prstGeom prst="straightConnector1">
+            <a:avLst/>
+          </a:prstGeom>
+          <a:ln w="38100">
+            <a:solidFill>
+              <a:schemeClr val="tx1"/>
+            </a:solidFill>
+            <a:tailEnd type="triangle"/>
+          </a:ln>
+        </p:spPr>
+        <p:style>
+          <a:lnRef idx="1">
+            <a:schemeClr val="accent1"/>
+          </a:lnRef>
+          <a:fillRef idx="0">
+            <a:schemeClr val="accent1"/>
+          </a:fillRef>
+          <a:effectRef idx="0">
+            <a:schemeClr val="accent1"/>
+          </a:effectRef>
+          <a:fontRef idx="minor">
+            <a:schemeClr val="tx1"/>
+          </a:fontRef>
+        </p:style>
+      </p:cxnSp>
+    </p:spTree>
+    <p:extLst>
+      <p:ext uri="{BB962C8B-B14F-4D97-AF65-F5344CB8AC3E}">
+        <p14:creationId xmlns:p14="http://schemas.microsoft.com/office/powerpoint/2010/main" val="3293501203"/>
+      </p:ext>
+    </p:extLst>
+  </p:cSld>
+  <p:clrMapOvr>
+    <a:masterClrMapping/>
+  </p:clrMapOvr>
+</p:sld>
+</file>
+
+<file path=ppt/slides/slide5.xml><?xml version="1.0" encoding="utf-8"?>
+<p:sld xmlns:a="http://schemas.openxmlformats.org/drawingml/2006/main" xmlns:r="http://schemas.openxmlformats.org/officeDocument/2006/relationships" xmlns:p="http://schemas.openxmlformats.org/presentationml/2006/main">
+  <p:cSld>
+    <p:spTree>
+      <p:nvGrpSpPr>
+        <p:cNvPr id="1" name="Shape 59"/>
+        <p:cNvGrpSpPr/>
+        <p:nvPr/>
+      </p:nvGrpSpPr>
+      <p:grpSpPr>
+        <a:xfrm>
+          <a:off x="0" y="0"/>
+          <a:ext cx="0" cy="0"/>
+          <a:chOff x="0" y="0"/>
+          <a:chExt cx="0" cy="0"/>
+        </a:xfrm>
+      </p:grpSpPr>
+      <p:sp>
+        <p:nvSpPr>
+          <p:cNvPr id="60" name="Google Shape;60;p14"/>
+          <p:cNvSpPr txBox="1">
+            <a:spLocks noGrp="1"/>
+          </p:cNvSpPr>
+          <p:nvPr>
+            <p:ph type="title"/>
+          </p:nvPr>
+        </p:nvSpPr>
+        <p:spPr>
+          <a:xfrm>
+            <a:off x="311700" y="445025"/>
+            <a:ext cx="8520600" cy="572700"/>
+          </a:xfrm>
+          <a:prstGeom prst="rect">
+            <a:avLst/>
+          </a:prstGeom>
+        </p:spPr>
+        <p:txBody>
+          <a:bodyPr spcFirstLastPara="1" wrap="square" lIns="91425" tIns="91425" rIns="91425" bIns="91425" anchor="t" anchorCtr="0">
+            <a:noAutofit/>
+          </a:bodyPr>
+          <a:lstStyle/>
+          <a:p>
+            <a:pPr lvl="0"/>
+            <a:r>
+              <a:rPr lang="pt-BR" dirty="0" smtClean="0"/>
+              <a:t>1</a:t>
+            </a:r>
+            <a:r>
+              <a:rPr lang="pt-BR" dirty="0"/>
+              <a:t>. O ID que teve o maior faturamento</a:t>
+            </a:r>
+            <a:endParaRPr dirty="0"/>
+          </a:p>
+        </p:txBody>
+      </p:sp>
+      <p:pic>
+        <p:nvPicPr>
+          <p:cNvPr id="10" name="Imagem 9"/>
+          <p:cNvPicPr>
+            <a:picLocks noChangeAspect="1"/>
+          </p:cNvPicPr>
+          <p:nvPr/>
+        </p:nvPicPr>
+        <p:blipFill>
+          <a:blip r:embed="rId3"/>
+          <a:stretch>
+            <a:fillRect/>
+          </a:stretch>
+        </p:blipFill>
+        <p:spPr>
+          <a:xfrm>
+            <a:off x="831259" y="1017725"/>
+            <a:ext cx="7481482" cy="3770908"/>
+          </a:xfrm>
+          <a:prstGeom prst="rect">
+            <a:avLst/>
+          </a:prstGeom>
+        </p:spPr>
+      </p:pic>
+    </p:spTree>
+    <p:extLst>
+      <p:ext uri="{BB962C8B-B14F-4D97-AF65-F5344CB8AC3E}">
+        <p14:creationId xmlns:p14="http://schemas.microsoft.com/office/powerpoint/2010/main" val="3905732172"/>
+      </p:ext>
+    </p:extLst>
+  </p:cSld>
+  <p:clrMapOvr>
+    <a:masterClrMapping/>
+  </p:clrMapOvr>
+</p:sld>
+</file>
+
+<file path=ppt/slides/slide6.xml><?xml version="1.0" encoding="utf-8"?>
+<p:sld xmlns:a="http://schemas.openxmlformats.org/drawingml/2006/main" xmlns:r="http://schemas.openxmlformats.org/officeDocument/2006/relationships" xmlns:p="http://schemas.openxmlformats.org/presentationml/2006/main">
+  <p:cSld>
+    <p:spTree>
+      <p:nvGrpSpPr>
+        <p:cNvPr id="1" name="Shape 59"/>
+        <p:cNvGrpSpPr/>
+        <p:nvPr/>
+      </p:nvGrpSpPr>
+      <p:grpSpPr>
+        <a:xfrm>
+          <a:off x="0" y="0"/>
+          <a:ext cx="0" cy="0"/>
+          <a:chOff x="0" y="0"/>
+          <a:chExt cx="0" cy="0"/>
+        </a:xfrm>
+      </p:grpSpPr>
+      <p:sp>
+        <p:nvSpPr>
+          <p:cNvPr id="60" name="Google Shape;60;p14"/>
+          <p:cNvSpPr txBox="1">
+            <a:spLocks noGrp="1"/>
+          </p:cNvSpPr>
+          <p:nvPr>
+            <p:ph type="title"/>
+          </p:nvPr>
+        </p:nvSpPr>
+        <p:spPr>
+          <a:xfrm>
+            <a:off x="311700" y="445025"/>
+            <a:ext cx="8520600" cy="572700"/>
+          </a:xfrm>
+          <a:prstGeom prst="rect">
+            <a:avLst/>
+          </a:prstGeom>
+        </p:spPr>
+        <p:txBody>
+          <a:bodyPr spcFirstLastPara="1" wrap="square" lIns="91425" tIns="91425" rIns="91425" bIns="91425" anchor="t" anchorCtr="0">
+            <a:noAutofit/>
+          </a:bodyPr>
+          <a:lstStyle/>
+          <a:p>
+            <a:pPr lvl="0"/>
+            <a:r>
+              <a:rPr lang="pt-BR" dirty="0"/>
+              <a:t>2</a:t>
+            </a:r>
+            <a:r>
+              <a:rPr lang="pt-BR" dirty="0" smtClean="0"/>
+              <a:t>. </a:t>
+            </a:r>
+            <a:r>
+              <a:rPr lang="pt-BR" dirty="0"/>
+              <a:t>O ID que teve </a:t>
+            </a:r>
+            <a:r>
+              <a:rPr lang="pt-BR" dirty="0" smtClean="0"/>
+              <a:t>o menor faturamento</a:t>
+            </a:r>
+            <a:endParaRPr dirty="0"/>
+          </a:p>
+        </p:txBody>
+      </p:sp>
+      <p:pic>
+        <p:nvPicPr>
+          <p:cNvPr id="4" name="Imagem 3"/>
+          <p:cNvPicPr>
+            <a:picLocks noChangeAspect="1"/>
+          </p:cNvPicPr>
+          <p:nvPr/>
+        </p:nvPicPr>
+        <p:blipFill rotWithShape="1">
+          <a:blip r:embed="rId3"/>
+          <a:srcRect b="45556"/>
+          <a:stretch/>
+        </p:blipFill>
+        <p:spPr>
+          <a:xfrm>
+            <a:off x="1704575" y="1111243"/>
+            <a:ext cx="5734850" cy="2681439"/>
+          </a:xfrm>
+          <a:prstGeom prst="rect">
+            <a:avLst/>
+          </a:prstGeom>
+        </p:spPr>
+      </p:pic>
+      <p:sp>
+        <p:nvSpPr>
+          <p:cNvPr id="5" name="CaixaDeTexto 4"/>
+          <p:cNvSpPr txBox="1"/>
+          <p:nvPr/>
+        </p:nvSpPr>
+        <p:spPr>
+          <a:xfrm>
+            <a:off x="4395354" y="3792682"/>
+            <a:ext cx="353291" cy="1200329"/>
+          </a:xfrm>
+          <a:prstGeom prst="rect">
+            <a:avLst/>
+          </a:prstGeom>
+          <a:noFill/>
+        </p:spPr>
+        <p:txBody>
+          <a:bodyPr wrap="square" rtlCol="0">
+            <a:spAutoFit/>
+          </a:bodyPr>
+          <a:lstStyle/>
+          <a:p>
+            <a:r>
+              <a:rPr lang="pt-BR" sz="2400" dirty="0" smtClean="0">
+                <a:solidFill>
+                  <a:schemeClr val="tx1"/>
+                </a:solidFill>
+              </a:rPr>
+              <a:t>.</a:t>
+            </a:r>
+          </a:p>
+          <a:p>
+            <a:r>
+              <a:rPr lang="pt-BR" sz="2400" dirty="0" smtClean="0">
+                <a:solidFill>
+                  <a:schemeClr val="tx1"/>
+                </a:solidFill>
+              </a:rPr>
+              <a:t>.</a:t>
+            </a:r>
+          </a:p>
+          <a:p>
+            <a:r>
+              <a:rPr lang="pt-BR" sz="2400" dirty="0">
+                <a:solidFill>
+                  <a:schemeClr val="tx1"/>
+                </a:solidFill>
+              </a:rPr>
+              <a:t>.</a:t>
+            </a:r>
           </a:p>
         </p:txBody>
       </p:sp>
     </p:spTree>
     <p:extLst>
       <p:ext uri="{BB962C8B-B14F-4D97-AF65-F5344CB8AC3E}">
-        <p14:creationId xmlns:p14="http://schemas.microsoft.com/office/powerpoint/2010/main" val="3500313805"/>
+        <p14:creationId xmlns:p14="http://schemas.microsoft.com/office/powerpoint/2010/main" val="1638361737"/>
+      </p:ext>
+    </p:extLst>
+  </p:cSld>
+  <p:clrMapOvr>
+    <a:masterClrMapping/>
+  </p:clrMapOvr>
+</p:sld>
+</file>
+
+<file path=ppt/slides/slide7.xml><?xml version="1.0" encoding="utf-8"?>
+<p:sld xmlns:a="http://schemas.openxmlformats.org/drawingml/2006/main" xmlns:r="http://schemas.openxmlformats.org/officeDocument/2006/relationships" xmlns:p="http://schemas.openxmlformats.org/presentationml/2006/main">
+  <p:cSld>
+    <p:spTree>
+      <p:nvGrpSpPr>
+        <p:cNvPr id="1" name="Shape 59"/>
+        <p:cNvGrpSpPr/>
+        <p:nvPr/>
+      </p:nvGrpSpPr>
+      <p:grpSpPr>
+        <a:xfrm>
+          <a:off x="0" y="0"/>
+          <a:ext cx="0" cy="0"/>
+          <a:chOff x="0" y="0"/>
+          <a:chExt cx="0" cy="0"/>
+        </a:xfrm>
+      </p:grpSpPr>
+      <p:sp>
+        <p:nvSpPr>
+          <p:cNvPr id="60" name="Google Shape;60;p14"/>
+          <p:cNvSpPr txBox="1">
+            <a:spLocks noGrp="1"/>
+          </p:cNvSpPr>
+          <p:nvPr>
+            <p:ph type="title"/>
+          </p:nvPr>
+        </p:nvSpPr>
+        <p:spPr>
+          <a:xfrm>
+            <a:off x="311700" y="445025"/>
+            <a:ext cx="8520600" cy="572700"/>
+          </a:xfrm>
+          <a:prstGeom prst="rect">
+            <a:avLst/>
+          </a:prstGeom>
+        </p:spPr>
+        <p:txBody>
+          <a:bodyPr spcFirstLastPara="1" wrap="square" lIns="91425" tIns="91425" rIns="91425" bIns="91425" anchor="t" anchorCtr="0">
+            <a:noAutofit/>
+          </a:bodyPr>
+          <a:lstStyle/>
+          <a:p>
+            <a:pPr lvl="0"/>
+            <a:r>
+              <a:rPr lang="pt-BR" dirty="0"/>
+              <a:t>2</a:t>
+            </a:r>
+            <a:r>
+              <a:rPr lang="pt-BR" dirty="0" smtClean="0"/>
+              <a:t>. </a:t>
+            </a:r>
+            <a:r>
+              <a:rPr lang="pt-BR" dirty="0"/>
+              <a:t>O ID que teve </a:t>
+            </a:r>
+            <a:r>
+              <a:rPr lang="pt-BR" dirty="0" smtClean="0"/>
+              <a:t>o menor faturamento</a:t>
+            </a:r>
+            <a:endParaRPr dirty="0"/>
+          </a:p>
+        </p:txBody>
+      </p:sp>
+      <p:pic>
+        <p:nvPicPr>
+          <p:cNvPr id="2" name="Imagem 1"/>
+          <p:cNvPicPr>
+            <a:picLocks noChangeAspect="1"/>
+          </p:cNvPicPr>
+          <p:nvPr/>
+        </p:nvPicPr>
+        <p:blipFill>
+          <a:blip r:embed="rId3"/>
+          <a:stretch>
+            <a:fillRect/>
+          </a:stretch>
+        </p:blipFill>
+        <p:spPr>
+          <a:xfrm>
+            <a:off x="649418" y="1017725"/>
+            <a:ext cx="7845164" cy="3938234"/>
+          </a:xfrm>
+          <a:prstGeom prst="rect">
+            <a:avLst/>
+          </a:prstGeom>
+        </p:spPr>
+      </p:pic>
+    </p:spTree>
+    <p:extLst>
+      <p:ext uri="{BB962C8B-B14F-4D97-AF65-F5344CB8AC3E}">
+        <p14:creationId xmlns:p14="http://schemas.microsoft.com/office/powerpoint/2010/main" val="87749348"/>
+      </p:ext>
+    </p:extLst>
+  </p:cSld>
+  <p:clrMapOvr>
+    <a:masterClrMapping/>
+  </p:clrMapOvr>
+</p:sld>
+</file>
+
+<file path=ppt/slides/slide8.xml><?xml version="1.0" encoding="utf-8"?>
+<p:sld xmlns:a="http://schemas.openxmlformats.org/drawingml/2006/main" xmlns:r="http://schemas.openxmlformats.org/officeDocument/2006/relationships" xmlns:p="http://schemas.openxmlformats.org/presentationml/2006/main">
+  <p:cSld>
+    <p:spTree>
+      <p:nvGrpSpPr>
+        <p:cNvPr id="1" name="Shape 59"/>
+        <p:cNvGrpSpPr/>
+        <p:nvPr/>
+      </p:nvGrpSpPr>
+      <p:grpSpPr>
+        <a:xfrm>
+          <a:off x="0" y="0"/>
+          <a:ext cx="0" cy="0"/>
+          <a:chOff x="0" y="0"/>
+          <a:chExt cx="0" cy="0"/>
+        </a:xfrm>
+      </p:grpSpPr>
+      <p:sp>
+        <p:nvSpPr>
+          <p:cNvPr id="60" name="Google Shape;60;p14"/>
+          <p:cNvSpPr txBox="1">
+            <a:spLocks noGrp="1"/>
+          </p:cNvSpPr>
+          <p:nvPr>
+            <p:ph type="title"/>
+          </p:nvPr>
+        </p:nvSpPr>
+        <p:spPr>
+          <a:xfrm>
+            <a:off x="311700" y="445025"/>
+            <a:ext cx="8520600" cy="572700"/>
+          </a:xfrm>
+          <a:prstGeom prst="rect">
+            <a:avLst/>
+          </a:prstGeom>
+        </p:spPr>
+        <p:txBody>
+          <a:bodyPr spcFirstLastPara="1" wrap="square" lIns="91425" tIns="91425" rIns="91425" bIns="91425" anchor="t" anchorCtr="0">
+            <a:noAutofit/>
+          </a:bodyPr>
+          <a:lstStyle/>
+          <a:p>
+            <a:pPr lvl="0"/>
+            <a:r>
+              <a:rPr lang="pt-BR" dirty="0"/>
+              <a:t>3</a:t>
+            </a:r>
+            <a:r>
+              <a:rPr lang="pt-BR" dirty="0" smtClean="0"/>
+              <a:t>. </a:t>
+            </a:r>
+            <a:r>
+              <a:rPr lang="pt-BR" dirty="0"/>
+              <a:t>A média de faturamento dos </a:t>
+            </a:r>
+            <a:r>
+              <a:rPr lang="pt-BR" dirty="0" err="1" smtClean="0"/>
+              <a:t>IDs</a:t>
+            </a:r>
+            <a:r>
+              <a:rPr lang="pt-BR" dirty="0" smtClean="0"/>
+              <a:t> (nos 6 meses) </a:t>
+            </a:r>
+            <a:endParaRPr dirty="0"/>
+          </a:p>
+        </p:txBody>
+      </p:sp>
+      <p:pic>
+        <p:nvPicPr>
+          <p:cNvPr id="2" name="Imagem 1"/>
+          <p:cNvPicPr>
+            <a:picLocks noChangeAspect="1"/>
+          </p:cNvPicPr>
+          <p:nvPr/>
+        </p:nvPicPr>
+        <p:blipFill>
+          <a:blip r:embed="rId3"/>
+          <a:stretch>
+            <a:fillRect/>
+          </a:stretch>
+        </p:blipFill>
+        <p:spPr>
+          <a:xfrm>
+            <a:off x="933766" y="1409914"/>
+            <a:ext cx="1686160" cy="3134162"/>
+          </a:xfrm>
+          <a:prstGeom prst="rect">
+            <a:avLst/>
+          </a:prstGeom>
+        </p:spPr>
+      </p:pic>
+      <p:cxnSp>
+        <p:nvCxnSpPr>
+          <p:cNvPr id="6" name="Conector de Seta Reta 5"/>
+          <p:cNvCxnSpPr>
+            <a:stCxn id="2" idx="3"/>
+          </p:cNvCxnSpPr>
+          <p:nvPr/>
+        </p:nvCxnSpPr>
+        <p:spPr>
+          <a:xfrm>
+            <a:off x="2619926" y="2976995"/>
+            <a:ext cx="2440447" cy="5196"/>
+          </a:xfrm>
+          <a:prstGeom prst="straightConnector1">
+            <a:avLst/>
+          </a:prstGeom>
+          <a:ln w="38100">
+            <a:solidFill>
+              <a:schemeClr val="tx1"/>
+            </a:solidFill>
+            <a:tailEnd type="triangle"/>
+          </a:ln>
+        </p:spPr>
+        <p:style>
+          <a:lnRef idx="1">
+            <a:schemeClr val="accent1"/>
+          </a:lnRef>
+          <a:fillRef idx="0">
+            <a:schemeClr val="accent1"/>
+          </a:fillRef>
+          <a:effectRef idx="0">
+            <a:schemeClr val="accent1"/>
+          </a:effectRef>
+          <a:fontRef idx="minor">
+            <a:schemeClr val="tx1"/>
+          </a:fontRef>
+        </p:style>
+      </p:cxnSp>
+      <p:sp>
+        <p:nvSpPr>
+          <p:cNvPr id="7" name="CaixaDeTexto 6"/>
+          <p:cNvSpPr txBox="1"/>
+          <p:nvPr/>
+        </p:nvSpPr>
+        <p:spPr>
+          <a:xfrm>
+            <a:off x="5255437" y="2653829"/>
+            <a:ext cx="2982191" cy="646331"/>
+          </a:xfrm>
+          <a:prstGeom prst="rect">
+            <a:avLst/>
+          </a:prstGeom>
+          <a:noFill/>
+        </p:spPr>
+        <p:txBody>
+          <a:bodyPr wrap="square" rtlCol="0">
+            <a:spAutoFit/>
+          </a:bodyPr>
+          <a:lstStyle/>
+          <a:p>
+            <a:r>
+              <a:rPr lang="pt-BR" sz="3600" dirty="0" smtClean="0">
+                <a:solidFill>
+                  <a:schemeClr val="tx1"/>
+                </a:solidFill>
+              </a:rPr>
+              <a:t>R$ 23.177,25</a:t>
+            </a:r>
+            <a:endParaRPr lang="pt-BR" sz="3600" dirty="0">
+              <a:solidFill>
+                <a:schemeClr val="tx1"/>
+              </a:solidFill>
+            </a:endParaRPr>
+          </a:p>
+        </p:txBody>
+      </p:sp>
+      <p:sp>
+        <p:nvSpPr>
+          <p:cNvPr id="8" name="CaixaDeTexto 7"/>
+          <p:cNvSpPr txBox="1"/>
+          <p:nvPr/>
+        </p:nvSpPr>
+        <p:spPr>
+          <a:xfrm>
+            <a:off x="3158835" y="4062845"/>
+            <a:ext cx="4873335" cy="646331"/>
+          </a:xfrm>
+          <a:prstGeom prst="rect">
+            <a:avLst/>
+          </a:prstGeom>
+          <a:noFill/>
+        </p:spPr>
+        <p:txBody>
+          <a:bodyPr wrap="square" rtlCol="0">
+            <a:spAutoFit/>
+          </a:bodyPr>
+          <a:lstStyle/>
+          <a:p>
+            <a:r>
+              <a:rPr lang="pt-BR" sz="1800" dirty="0" smtClean="0">
+                <a:solidFill>
+                  <a:schemeClr val="tx1"/>
+                </a:solidFill>
+              </a:rPr>
+              <a:t>Essa média não retrata bem os dados devido ao alto desvio </a:t>
+            </a:r>
+            <a:r>
+              <a:rPr lang="pt-BR" sz="1800" dirty="0">
+                <a:solidFill>
+                  <a:schemeClr val="tx1"/>
+                </a:solidFill>
+              </a:rPr>
+              <a:t>padrão </a:t>
+            </a:r>
+            <a:r>
+              <a:rPr lang="pt-BR" sz="1800" dirty="0" smtClean="0">
+                <a:solidFill>
+                  <a:schemeClr val="tx1"/>
+                </a:solidFill>
+              </a:rPr>
+              <a:t>(R$ 43547.33)</a:t>
+            </a:r>
+            <a:endParaRPr lang="pt-BR" sz="1800" dirty="0">
+              <a:solidFill>
+                <a:schemeClr val="tx1"/>
+              </a:solidFill>
+            </a:endParaRPr>
+          </a:p>
+        </p:txBody>
+      </p:sp>
+    </p:spTree>
+    <p:extLst>
+      <p:ext uri="{BB962C8B-B14F-4D97-AF65-F5344CB8AC3E}">
+        <p14:creationId xmlns:p14="http://schemas.microsoft.com/office/powerpoint/2010/main" val="129052292"/>
+      </p:ext>
+    </p:extLst>
+  </p:cSld>
+  <p:clrMapOvr>
+    <a:masterClrMapping/>
+  </p:clrMapOvr>
+</p:sld>
+</file>
+
+<file path=ppt/slides/slide9.xml><?xml version="1.0" encoding="utf-8"?>
+<p:sld xmlns:a="http://schemas.openxmlformats.org/drawingml/2006/main" xmlns:r="http://schemas.openxmlformats.org/officeDocument/2006/relationships" xmlns:p="http://schemas.openxmlformats.org/presentationml/2006/main">
+  <p:cSld>
+    <p:spTree>
+      <p:nvGrpSpPr>
+        <p:cNvPr id="1" name="Shape 59"/>
+        <p:cNvGrpSpPr/>
+        <p:nvPr/>
+      </p:nvGrpSpPr>
+      <p:grpSpPr>
+        <a:xfrm>
+          <a:off x="0" y="0"/>
+          <a:ext cx="0" cy="0"/>
+          <a:chOff x="0" y="0"/>
+          <a:chExt cx="0" cy="0"/>
+        </a:xfrm>
+      </p:grpSpPr>
+      <p:sp>
+        <p:nvSpPr>
+          <p:cNvPr id="60" name="Google Shape;60;p14"/>
+          <p:cNvSpPr txBox="1">
+            <a:spLocks noGrp="1"/>
+          </p:cNvSpPr>
+          <p:nvPr>
+            <p:ph type="title"/>
+          </p:nvPr>
+        </p:nvSpPr>
+        <p:spPr>
+          <a:xfrm>
+            <a:off x="311700" y="445025"/>
+            <a:ext cx="8520600" cy="572700"/>
+          </a:xfrm>
+          <a:prstGeom prst="rect">
+            <a:avLst/>
+          </a:prstGeom>
+        </p:spPr>
+        <p:txBody>
+          <a:bodyPr spcFirstLastPara="1" wrap="square" lIns="91425" tIns="91425" rIns="91425" bIns="91425" anchor="t" anchorCtr="0">
+            <a:noAutofit/>
+          </a:bodyPr>
+          <a:lstStyle/>
+          <a:p>
+            <a:pPr lvl="0"/>
+            <a:r>
+              <a:rPr lang="pt-BR" dirty="0"/>
+              <a:t>3</a:t>
+            </a:r>
+            <a:r>
+              <a:rPr lang="pt-BR" dirty="0" smtClean="0"/>
+              <a:t>. </a:t>
+            </a:r>
+            <a:r>
+              <a:rPr lang="pt-BR" dirty="0"/>
+              <a:t>A média de faturamento dos </a:t>
+            </a:r>
+            <a:r>
+              <a:rPr lang="pt-BR" dirty="0" err="1"/>
+              <a:t>IDs</a:t>
+            </a:r>
+            <a:r>
+              <a:rPr lang="pt-BR" dirty="0"/>
+              <a:t> </a:t>
+            </a:r>
+            <a:endParaRPr dirty="0"/>
+          </a:p>
+        </p:txBody>
+      </p:sp>
+      <p:pic>
+        <p:nvPicPr>
+          <p:cNvPr id="4" name="Imagem 3"/>
+          <p:cNvPicPr>
+            <a:picLocks noChangeAspect="1"/>
+          </p:cNvPicPr>
+          <p:nvPr/>
+        </p:nvPicPr>
+        <p:blipFill rotWithShape="1">
+          <a:blip r:embed="rId3">
+            <a:extLst>
+              <a:ext uri="{28A0092B-C50C-407E-A947-70E740481C1C}">
+                <a14:useLocalDpi xmlns:a14="http://schemas.microsoft.com/office/drawing/2010/main" val="0"/>
+              </a:ext>
+            </a:extLst>
+          </a:blip>
+          <a:srcRect l="7841" t="5822" r="8068" b="4179"/>
+          <a:stretch/>
+        </p:blipFill>
+        <p:spPr>
+          <a:xfrm>
+            <a:off x="727363" y="1017725"/>
+            <a:ext cx="7689273" cy="4114800"/>
+          </a:xfrm>
+          <a:prstGeom prst="rect">
+            <a:avLst/>
+          </a:prstGeom>
+        </p:spPr>
+      </p:pic>
+    </p:spTree>
+    <p:extLst>
+      <p:ext uri="{BB962C8B-B14F-4D97-AF65-F5344CB8AC3E}">
+        <p14:creationId xmlns:p14="http://schemas.microsoft.com/office/powerpoint/2010/main" val="2058573481"/>
       </p:ext>
     </p:extLst>
   </p:cSld>

--- a/Apresentação.pptx
+++ b/Apresentação.pptx
@@ -5,7 +5,7 @@
     <p:sldMasterId id="2147483659" r:id="rId1"/>
   </p:sldMasterIdLst>
   <p:notesMasterIdLst>
-    <p:notesMasterId r:id="rId16"/>
+    <p:notesMasterId r:id="rId21"/>
   </p:notesMasterIdLst>
   <p:sldIdLst>
     <p:sldId id="256" r:id="rId2"/>
@@ -22,6 +22,11 @@
     <p:sldId id="267" r:id="rId13"/>
     <p:sldId id="268" r:id="rId14"/>
     <p:sldId id="269" r:id="rId15"/>
+    <p:sldId id="270" r:id="rId16"/>
+    <p:sldId id="271" r:id="rId17"/>
+    <p:sldId id="272" r:id="rId18"/>
+    <p:sldId id="273" r:id="rId19"/>
+    <p:sldId id="274" r:id="rId20"/>
   </p:sldIdLst>
   <p:sldSz cx="9144000" cy="5143500" type="screen16x9"/>
   <p:notesSz cx="6858000" cy="9144000"/>
@@ -7237,6 +7242,13 @@
   <p:clrMapOvr>
     <a:masterClrMapping/>
   </p:clrMapOvr>
+  <p:timing>
+    <p:tnLst>
+      <p:par>
+        <p:cTn id="1" dur="indefinite" restart="never" nodeType="tmRoot"/>
+      </p:par>
+    </p:tnLst>
+  </p:timing>
 </p:sld>
 </file>
 
@@ -7285,7 +7297,15 @@
             <a:pPr lvl="0"/>
             <a:r>
               <a:rPr lang="pt-BR" dirty="0" smtClean="0"/>
-              <a:t>Dados que devem estar no Data Scraper para predizer preço</a:t>
+              <a:t>Dados que devem estar no Data Scraper para </a:t>
+            </a:r>
+            <a:r>
+              <a:rPr lang="pt-BR" dirty="0" smtClean="0"/>
+              <a:t>determinar </a:t>
+            </a:r>
+            <a:r>
+              <a:rPr lang="pt-BR" dirty="0" smtClean="0"/>
+              <a:t>preço</a:t>
             </a:r>
             <a:endParaRPr dirty="0"/>
           </a:p>
@@ -7509,6 +7529,13 @@
   <p:clrMapOvr>
     <a:masterClrMapping/>
   </p:clrMapOvr>
+  <p:timing>
+    <p:tnLst>
+      <p:par>
+        <p:cTn id="1" dur="indefinite" restart="never" nodeType="tmRoot"/>
+      </p:par>
+    </p:tnLst>
+  </p:timing>
 </p:sld>
 </file>
 
@@ -7701,6 +7728,13 @@
   <p:clrMapOvr>
     <a:masterClrMapping/>
   </p:clrMapOvr>
+  <p:timing>
+    <p:tnLst>
+      <p:par>
+        <p:cTn id="1" dur="indefinite" restart="never" nodeType="tmRoot"/>
+      </p:par>
+    </p:tnLst>
+  </p:timing>
 </p:sld>
 </file>
 
@@ -7935,6 +7969,1235 @@
     <p:extLst>
       <p:ext uri="{BB962C8B-B14F-4D97-AF65-F5344CB8AC3E}">
         <p14:creationId xmlns:p14="http://schemas.microsoft.com/office/powerpoint/2010/main" val="1919413383"/>
+      </p:ext>
+    </p:extLst>
+  </p:cSld>
+  <p:clrMapOvr>
+    <a:masterClrMapping/>
+  </p:clrMapOvr>
+  <p:timing>
+    <p:tnLst>
+      <p:par>
+        <p:cTn id="1" dur="indefinite" restart="never" nodeType="tmRoot"/>
+      </p:par>
+    </p:tnLst>
+  </p:timing>
+</p:sld>
+</file>
+
+<file path=ppt/slides/slide15.xml><?xml version="1.0" encoding="utf-8"?>
+<p:sld xmlns:a="http://schemas.openxmlformats.org/drawingml/2006/main" xmlns:r="http://schemas.openxmlformats.org/officeDocument/2006/relationships" xmlns:p="http://schemas.openxmlformats.org/presentationml/2006/main">
+  <p:cSld>
+    <p:spTree>
+      <p:nvGrpSpPr>
+        <p:cNvPr id="1" name=""/>
+        <p:cNvGrpSpPr/>
+        <p:nvPr/>
+      </p:nvGrpSpPr>
+      <p:grpSpPr>
+        <a:xfrm>
+          <a:off x="0" y="0"/>
+          <a:ext cx="0" cy="0"/>
+          <a:chOff x="0" y="0"/>
+          <a:chExt cx="0" cy="0"/>
+        </a:xfrm>
+      </p:grpSpPr>
+      <p:sp>
+        <p:nvSpPr>
+          <p:cNvPr id="2" name="Título 1"/>
+          <p:cNvSpPr>
+            <a:spLocks noGrp="1"/>
+          </p:cNvSpPr>
+          <p:nvPr>
+            <p:ph type="title"/>
+          </p:nvPr>
+        </p:nvSpPr>
+        <p:spPr/>
+        <p:txBody>
+          <a:bodyPr/>
+          <a:lstStyle/>
+          <a:p>
+            <a:r>
+              <a:rPr lang="pt-BR" dirty="0" smtClean="0"/>
+              <a:t>Novo Formato de Dados</a:t>
+            </a:r>
+            <a:endParaRPr lang="pt-BR" dirty="0"/>
+          </a:p>
+        </p:txBody>
+      </p:sp>
+      <p:sp>
+        <p:nvSpPr>
+          <p:cNvPr id="4" name="Retângulo 3"/>
+          <p:cNvSpPr/>
+          <p:nvPr/>
+        </p:nvSpPr>
+        <p:spPr>
+          <a:xfrm>
+            <a:off x="311700" y="1508992"/>
+            <a:ext cx="7668518" cy="1600438"/>
+          </a:xfrm>
+          <a:prstGeom prst="rect">
+            <a:avLst/>
+          </a:prstGeom>
+        </p:spPr>
+        <p:txBody>
+          <a:bodyPr wrap="square">
+            <a:spAutoFit/>
+          </a:bodyPr>
+          <a:lstStyle/>
+          <a:p>
+            <a:r>
+              <a:rPr lang="en-US" b="1" dirty="0" smtClean="0">
+                <a:solidFill>
+                  <a:schemeClr val="tx1"/>
+                </a:solidFill>
+              </a:rPr>
+              <a:t>price-info</a:t>
+            </a:r>
+          </a:p>
+          <a:p>
+            <a:r>
+              <a:rPr lang="en-US" b="1" dirty="0" smtClean="0">
+                <a:solidFill>
+                  <a:schemeClr val="tx1"/>
+                </a:solidFill>
+              </a:rPr>
+              <a:t>{ </a:t>
+            </a:r>
+          </a:p>
+          <a:p>
+            <a:r>
+              <a:rPr lang="en-US" b="1" dirty="0" smtClean="0">
+                <a:solidFill>
+                  <a:schemeClr val="tx1"/>
+                </a:solidFill>
+              </a:rPr>
+              <a:t>	</a:t>
+            </a:r>
+            <a:r>
+              <a:rPr lang="en-US" b="1" dirty="0">
+                <a:solidFill>
+                  <a:schemeClr val="tx1"/>
+                </a:solidFill>
+              </a:rPr>
+              <a:t>“</a:t>
+            </a:r>
+            <a:r>
+              <a:rPr lang="en-US" b="1" dirty="0" smtClean="0">
+                <a:solidFill>
+                  <a:schemeClr val="tx1"/>
+                </a:solidFill>
+              </a:rPr>
+              <a:t>idlocacao":”623467”,</a:t>
+            </a:r>
+          </a:p>
+          <a:p>
+            <a:r>
+              <a:rPr lang="en-US" b="1" dirty="0">
+                <a:solidFill>
+                  <a:schemeClr val="tx1"/>
+                </a:solidFill>
+              </a:rPr>
+              <a:t>	</a:t>
+            </a:r>
+            <a:r>
+              <a:rPr lang="en-US" b="1" dirty="0" smtClean="0">
+                <a:solidFill>
+                  <a:schemeClr val="tx1"/>
+                </a:solidFill>
+              </a:rPr>
+              <a:t>“id_imovel":”1234”,</a:t>
+            </a:r>
+          </a:p>
+          <a:p>
+            <a:r>
+              <a:rPr lang="en-US" b="1" dirty="0" smtClean="0">
+                <a:solidFill>
+                  <a:schemeClr val="tx1"/>
+                </a:solidFill>
+              </a:rPr>
+              <a:t>	“data": </a:t>
+            </a:r>
+            <a:r>
+              <a:rPr lang="en-US" b="1" dirty="0">
+                <a:solidFill>
+                  <a:schemeClr val="tx1"/>
+                </a:solidFill>
+              </a:rPr>
+              <a:t>"2019-08-01</a:t>
+            </a:r>
+            <a:r>
+              <a:rPr lang="en-US" b="1" dirty="0" smtClean="0">
+                <a:solidFill>
+                  <a:schemeClr val="tx1"/>
+                </a:solidFill>
+              </a:rPr>
+              <a:t>", </a:t>
+            </a:r>
+          </a:p>
+          <a:p>
+            <a:r>
+              <a:rPr lang="en-US" b="1" dirty="0">
+                <a:solidFill>
+                  <a:schemeClr val="tx1"/>
+                </a:solidFill>
+              </a:rPr>
+              <a:t>	</a:t>
+            </a:r>
+            <a:r>
+              <a:rPr lang="en-US" b="1" dirty="0" smtClean="0">
+                <a:solidFill>
+                  <a:schemeClr val="tx1"/>
+                </a:solidFill>
+              </a:rPr>
+              <a:t>“</a:t>
+            </a:r>
+            <a:r>
+              <a:rPr lang="en-US" b="1" dirty="0" err="1" smtClean="0">
+                <a:solidFill>
+                  <a:schemeClr val="tx1"/>
+                </a:solidFill>
+              </a:rPr>
+              <a:t>alugado</a:t>
+            </a:r>
+            <a:r>
+              <a:rPr lang="en-US" b="1" dirty="0" smtClean="0">
+                <a:solidFill>
+                  <a:schemeClr val="tx1"/>
+                </a:solidFill>
+              </a:rPr>
+              <a:t>": “1”, </a:t>
+            </a:r>
+          </a:p>
+          <a:p>
+            <a:r>
+              <a:rPr lang="en-US" b="1" dirty="0" smtClean="0">
+                <a:solidFill>
+                  <a:schemeClr val="tx1"/>
+                </a:solidFill>
+              </a:rPr>
+              <a:t>} </a:t>
+            </a:r>
+            <a:endParaRPr lang="pt-BR" b="1" dirty="0">
+              <a:solidFill>
+                <a:schemeClr val="tx1"/>
+              </a:solidFill>
+            </a:endParaRPr>
+          </a:p>
+        </p:txBody>
+      </p:sp>
+    </p:spTree>
+    <p:extLst>
+      <p:ext uri="{BB962C8B-B14F-4D97-AF65-F5344CB8AC3E}">
+        <p14:creationId xmlns:p14="http://schemas.microsoft.com/office/powerpoint/2010/main" val="3443165478"/>
+      </p:ext>
+    </p:extLst>
+  </p:cSld>
+  <p:clrMapOvr>
+    <a:masterClrMapping/>
+  </p:clrMapOvr>
+</p:sld>
+</file>
+
+<file path=ppt/slides/slide16.xml><?xml version="1.0" encoding="utf-8"?>
+<p:sld xmlns:a="http://schemas.openxmlformats.org/drawingml/2006/main" xmlns:r="http://schemas.openxmlformats.org/officeDocument/2006/relationships" xmlns:p="http://schemas.openxmlformats.org/presentationml/2006/main">
+  <p:cSld>
+    <p:spTree>
+      <p:nvGrpSpPr>
+        <p:cNvPr id="1" name=""/>
+        <p:cNvGrpSpPr/>
+        <p:nvPr/>
+      </p:nvGrpSpPr>
+      <p:grpSpPr>
+        <a:xfrm>
+          <a:off x="0" y="0"/>
+          <a:ext cx="0" cy="0"/>
+          <a:chOff x="0" y="0"/>
+          <a:chExt cx="0" cy="0"/>
+        </a:xfrm>
+      </p:grpSpPr>
+      <p:sp>
+        <p:nvSpPr>
+          <p:cNvPr id="2" name="Título 1"/>
+          <p:cNvSpPr>
+            <a:spLocks noGrp="1"/>
+          </p:cNvSpPr>
+          <p:nvPr>
+            <p:ph type="title"/>
+          </p:nvPr>
+        </p:nvSpPr>
+        <p:spPr/>
+        <p:txBody>
+          <a:bodyPr/>
+          <a:lstStyle/>
+          <a:p>
+            <a:r>
+              <a:rPr lang="pt-BR" dirty="0" smtClean="0"/>
+              <a:t>Novo Formato de Dados</a:t>
+            </a:r>
+            <a:endParaRPr lang="pt-BR" dirty="0"/>
+          </a:p>
+        </p:txBody>
+      </p:sp>
+      <p:sp>
+        <p:nvSpPr>
+          <p:cNvPr id="4" name="Retângulo 3"/>
+          <p:cNvSpPr/>
+          <p:nvPr/>
+        </p:nvSpPr>
+        <p:spPr>
+          <a:xfrm>
+            <a:off x="311700" y="1508992"/>
+            <a:ext cx="7668518" cy="3539430"/>
+          </a:xfrm>
+          <a:prstGeom prst="rect">
+            <a:avLst/>
+          </a:prstGeom>
+        </p:spPr>
+        <p:txBody>
+          <a:bodyPr wrap="square">
+            <a:spAutoFit/>
+          </a:bodyPr>
+          <a:lstStyle/>
+          <a:p>
+            <a:r>
+              <a:rPr lang="en-US" b="1" dirty="0" err="1" smtClean="0">
+                <a:solidFill>
+                  <a:schemeClr val="tx1"/>
+                </a:solidFill>
+              </a:rPr>
+              <a:t>imovel</a:t>
+            </a:r>
+            <a:endParaRPr lang="en-US" b="1" dirty="0" smtClean="0">
+              <a:solidFill>
+                <a:schemeClr val="tx1"/>
+              </a:solidFill>
+            </a:endParaRPr>
+          </a:p>
+          <a:p>
+            <a:r>
+              <a:rPr lang="en-US" b="1" dirty="0" smtClean="0">
+                <a:solidFill>
+                  <a:schemeClr val="tx1"/>
+                </a:solidFill>
+              </a:rPr>
+              <a:t>{ </a:t>
+            </a:r>
+          </a:p>
+          <a:p>
+            <a:r>
+              <a:rPr lang="en-US" b="1" dirty="0">
+                <a:solidFill>
+                  <a:schemeClr val="tx1"/>
+                </a:solidFill>
+              </a:rPr>
+              <a:t>	</a:t>
+            </a:r>
+            <a:r>
+              <a:rPr lang="en-US" b="1" dirty="0" smtClean="0">
+                <a:solidFill>
+                  <a:schemeClr val="tx1"/>
+                </a:solidFill>
+              </a:rPr>
+              <a:t>“idimovel":”1234”,</a:t>
+            </a:r>
+          </a:p>
+          <a:p>
+            <a:r>
+              <a:rPr lang="en-US" b="1" dirty="0" smtClean="0">
+                <a:solidFill>
+                  <a:schemeClr val="tx1"/>
+                </a:solidFill>
+              </a:rPr>
+              <a:t>	“</a:t>
+            </a:r>
+            <a:r>
+              <a:rPr lang="en-US" b="1" dirty="0" err="1" smtClean="0">
+                <a:solidFill>
+                  <a:schemeClr val="tx1"/>
+                </a:solidFill>
+              </a:rPr>
+              <a:t>data_cadastro</a:t>
+            </a:r>
+            <a:r>
+              <a:rPr lang="en-US" b="1" dirty="0" smtClean="0">
+                <a:solidFill>
+                  <a:schemeClr val="tx1"/>
+                </a:solidFill>
+              </a:rPr>
+              <a:t>": </a:t>
+            </a:r>
+            <a:r>
+              <a:rPr lang="en-US" b="1" dirty="0">
+                <a:solidFill>
+                  <a:schemeClr val="tx1"/>
+                </a:solidFill>
+              </a:rPr>
+              <a:t>"</a:t>
+            </a:r>
+            <a:r>
+              <a:rPr lang="en-US" b="1" dirty="0" smtClean="0">
+                <a:solidFill>
+                  <a:schemeClr val="tx1"/>
+                </a:solidFill>
+              </a:rPr>
+              <a:t>2018-08-15",</a:t>
+            </a:r>
+          </a:p>
+          <a:p>
+            <a:r>
+              <a:rPr lang="en-US" b="1" dirty="0">
+                <a:solidFill>
+                  <a:schemeClr val="tx1"/>
+                </a:solidFill>
+              </a:rPr>
+              <a:t>	</a:t>
+            </a:r>
+            <a:r>
+              <a:rPr lang="en-US" b="1" dirty="0" smtClean="0">
+                <a:solidFill>
+                  <a:schemeClr val="tx1"/>
+                </a:solidFill>
+              </a:rPr>
+              <a:t>“</a:t>
+            </a:r>
+            <a:r>
+              <a:rPr lang="en-US" b="1" dirty="0" err="1" smtClean="0">
+                <a:solidFill>
+                  <a:schemeClr val="tx1"/>
+                </a:solidFill>
+              </a:rPr>
+              <a:t>casa_inteira</a:t>
+            </a:r>
+            <a:r>
+              <a:rPr lang="en-US" b="1" dirty="0" smtClean="0">
+                <a:solidFill>
+                  <a:schemeClr val="tx1"/>
+                </a:solidFill>
+              </a:rPr>
+              <a:t>”: ”1”, </a:t>
+            </a:r>
+          </a:p>
+          <a:p>
+            <a:r>
+              <a:rPr lang="en-US" b="1" dirty="0">
+                <a:solidFill>
+                  <a:schemeClr val="tx1"/>
+                </a:solidFill>
+              </a:rPr>
+              <a:t>	</a:t>
+            </a:r>
+            <a:r>
+              <a:rPr lang="en-US" b="1" dirty="0" smtClean="0">
+                <a:solidFill>
+                  <a:schemeClr val="tx1"/>
+                </a:solidFill>
+              </a:rPr>
+              <a:t>“</a:t>
+            </a:r>
+            <a:r>
+              <a:rPr lang="en-US" b="1" dirty="0" err="1" smtClean="0">
+                <a:solidFill>
+                  <a:schemeClr val="tx1"/>
+                </a:solidFill>
+              </a:rPr>
+              <a:t>avaliacao</a:t>
+            </a:r>
+            <a:r>
+              <a:rPr lang="en-US" b="1" dirty="0" smtClean="0">
+                <a:solidFill>
+                  <a:schemeClr val="tx1"/>
+                </a:solidFill>
+              </a:rPr>
+              <a:t>": “4.94”, </a:t>
+            </a:r>
+          </a:p>
+          <a:p>
+            <a:r>
+              <a:rPr lang="en-US" b="1" dirty="0" smtClean="0">
+                <a:solidFill>
+                  <a:schemeClr val="tx1"/>
+                </a:solidFill>
+              </a:rPr>
+              <a:t>	“</a:t>
+            </a:r>
+            <a:r>
+              <a:rPr lang="en-US" b="1" dirty="0" err="1" smtClean="0">
+                <a:solidFill>
+                  <a:schemeClr val="tx1"/>
+                </a:solidFill>
+              </a:rPr>
+              <a:t>navaliacao</a:t>
+            </a:r>
+            <a:r>
+              <a:rPr lang="en-US" b="1" dirty="0" smtClean="0">
+                <a:solidFill>
+                  <a:schemeClr val="tx1"/>
+                </a:solidFill>
+              </a:rPr>
+              <a:t>": “237”, </a:t>
+            </a:r>
+            <a:endParaRPr lang="en-US" b="1" dirty="0">
+              <a:solidFill>
+                <a:schemeClr val="tx1"/>
+              </a:solidFill>
+            </a:endParaRPr>
+          </a:p>
+          <a:p>
+            <a:r>
+              <a:rPr lang="en-US" b="1" dirty="0" smtClean="0">
+                <a:solidFill>
+                  <a:schemeClr val="tx1"/>
+                </a:solidFill>
+              </a:rPr>
+              <a:t>	“</a:t>
+            </a:r>
+            <a:r>
+              <a:rPr lang="en-US" b="1" dirty="0" err="1" smtClean="0">
+                <a:solidFill>
+                  <a:schemeClr val="tx1"/>
+                </a:solidFill>
+              </a:rPr>
+              <a:t>hospedes</a:t>
+            </a:r>
+            <a:r>
+              <a:rPr lang="en-US" b="1" dirty="0" smtClean="0">
+                <a:solidFill>
+                  <a:schemeClr val="tx1"/>
+                </a:solidFill>
+              </a:rPr>
+              <a:t>": “</a:t>
+            </a:r>
+            <a:r>
+              <a:rPr lang="en-US" b="1" dirty="0">
+                <a:solidFill>
+                  <a:schemeClr val="tx1"/>
+                </a:solidFill>
+              </a:rPr>
+              <a:t>4</a:t>
+            </a:r>
+            <a:r>
+              <a:rPr lang="en-US" b="1" dirty="0" smtClean="0">
+                <a:solidFill>
+                  <a:schemeClr val="tx1"/>
+                </a:solidFill>
+              </a:rPr>
+              <a:t>”, </a:t>
+            </a:r>
+            <a:endParaRPr lang="en-US" b="1" dirty="0">
+              <a:solidFill>
+                <a:schemeClr val="tx1"/>
+              </a:solidFill>
+            </a:endParaRPr>
+          </a:p>
+          <a:p>
+            <a:r>
+              <a:rPr lang="en-US" b="1" dirty="0" smtClean="0">
+                <a:solidFill>
+                  <a:schemeClr val="tx1"/>
+                </a:solidFill>
+              </a:rPr>
+              <a:t>	“quartos": “2”, </a:t>
+            </a:r>
+          </a:p>
+          <a:p>
+            <a:r>
+              <a:rPr lang="en-US" b="1" dirty="0">
+                <a:solidFill>
+                  <a:schemeClr val="tx1"/>
+                </a:solidFill>
+              </a:rPr>
+              <a:t>	</a:t>
+            </a:r>
+            <a:r>
+              <a:rPr lang="en-US" b="1" dirty="0" smtClean="0">
+                <a:solidFill>
+                  <a:schemeClr val="tx1"/>
+                </a:solidFill>
+              </a:rPr>
+              <a:t>“</a:t>
+            </a:r>
+            <a:r>
+              <a:rPr lang="en-US" b="1" dirty="0" err="1" smtClean="0">
+                <a:solidFill>
+                  <a:schemeClr val="tx1"/>
+                </a:solidFill>
+              </a:rPr>
+              <a:t>banheiros</a:t>
+            </a:r>
+            <a:r>
+              <a:rPr lang="en-US" b="1" dirty="0" smtClean="0">
+                <a:solidFill>
+                  <a:schemeClr val="tx1"/>
+                </a:solidFill>
+              </a:rPr>
+              <a:t>": “1”, </a:t>
+            </a:r>
+            <a:endParaRPr lang="en-US" b="1" dirty="0">
+              <a:solidFill>
+                <a:schemeClr val="tx1"/>
+              </a:solidFill>
+            </a:endParaRPr>
+          </a:p>
+          <a:p>
+            <a:r>
+              <a:rPr lang="en-US" b="1" dirty="0">
+                <a:solidFill>
+                  <a:schemeClr val="tx1"/>
+                </a:solidFill>
+              </a:rPr>
+              <a:t>	</a:t>
+            </a:r>
+            <a:r>
+              <a:rPr lang="en-US" b="1" dirty="0" smtClean="0">
+                <a:solidFill>
+                  <a:schemeClr val="tx1"/>
+                </a:solidFill>
+              </a:rPr>
+              <a:t>“</a:t>
+            </a:r>
+            <a:r>
+              <a:rPr lang="en-US" b="1" dirty="0" err="1" smtClean="0">
+                <a:solidFill>
+                  <a:schemeClr val="tx1"/>
+                </a:solidFill>
+              </a:rPr>
+              <a:t>camas_solteiro</a:t>
+            </a:r>
+            <a:r>
+              <a:rPr lang="en-US" b="1" dirty="0" smtClean="0">
+                <a:solidFill>
+                  <a:schemeClr val="tx1"/>
+                </a:solidFill>
+              </a:rPr>
+              <a:t>": “0”, </a:t>
+            </a:r>
+            <a:endParaRPr lang="en-US" b="1" dirty="0">
+              <a:solidFill>
+                <a:schemeClr val="tx1"/>
+              </a:solidFill>
+            </a:endParaRPr>
+          </a:p>
+          <a:p>
+            <a:r>
+              <a:rPr lang="en-US" b="1" dirty="0">
+                <a:solidFill>
+                  <a:schemeClr val="tx1"/>
+                </a:solidFill>
+              </a:rPr>
+              <a:t>	</a:t>
+            </a:r>
+            <a:r>
+              <a:rPr lang="en-US" b="1" dirty="0" smtClean="0">
+                <a:solidFill>
+                  <a:schemeClr val="tx1"/>
+                </a:solidFill>
+              </a:rPr>
+              <a:t>“</a:t>
+            </a:r>
+            <a:r>
+              <a:rPr lang="en-US" b="1" dirty="0" err="1" smtClean="0">
+                <a:solidFill>
+                  <a:schemeClr val="tx1"/>
+                </a:solidFill>
+              </a:rPr>
+              <a:t>camas_casal</a:t>
+            </a:r>
+            <a:r>
+              <a:rPr lang="en-US" b="1" dirty="0" smtClean="0">
+                <a:solidFill>
+                  <a:schemeClr val="tx1"/>
+                </a:solidFill>
+              </a:rPr>
+              <a:t>": “1”, </a:t>
+            </a:r>
+            <a:endParaRPr lang="en-US" b="1" dirty="0">
+              <a:solidFill>
+                <a:schemeClr val="tx1"/>
+              </a:solidFill>
+            </a:endParaRPr>
+          </a:p>
+          <a:p>
+            <a:r>
+              <a:rPr lang="en-US" b="1" dirty="0">
+                <a:solidFill>
+                  <a:schemeClr val="tx1"/>
+                </a:solidFill>
+              </a:rPr>
+              <a:t>	</a:t>
+            </a:r>
+            <a:r>
+              <a:rPr lang="en-US" b="1" dirty="0" smtClean="0">
+                <a:solidFill>
+                  <a:schemeClr val="tx1"/>
+                </a:solidFill>
+              </a:rPr>
+              <a:t>“</a:t>
+            </a:r>
+            <a:r>
+              <a:rPr lang="en-US" b="1" dirty="0" err="1" smtClean="0">
+                <a:solidFill>
+                  <a:schemeClr val="tx1"/>
+                </a:solidFill>
+              </a:rPr>
+              <a:t>wi-fi</a:t>
+            </a:r>
+            <a:r>
+              <a:rPr lang="en-US" b="1" dirty="0" smtClean="0">
+                <a:solidFill>
+                  <a:schemeClr val="tx1"/>
+                </a:solidFill>
+              </a:rPr>
+              <a:t>": “1”, </a:t>
+            </a:r>
+          </a:p>
+          <a:p>
+            <a:r>
+              <a:rPr lang="en-US" b="1" dirty="0" smtClean="0">
+                <a:solidFill>
+                  <a:schemeClr val="tx1"/>
+                </a:solidFill>
+              </a:rPr>
+              <a:t>	“</a:t>
+            </a:r>
+            <a:r>
+              <a:rPr lang="en-US" b="1" dirty="0" err="1" smtClean="0">
+                <a:solidFill>
+                  <a:schemeClr val="tx1"/>
+                </a:solidFill>
+              </a:rPr>
+              <a:t>piscina</a:t>
+            </a:r>
+            <a:r>
+              <a:rPr lang="en-US" b="1" dirty="0" smtClean="0">
+                <a:solidFill>
+                  <a:schemeClr val="tx1"/>
+                </a:solidFill>
+              </a:rPr>
+              <a:t>": “0”, </a:t>
+            </a:r>
+            <a:endParaRPr lang="en-US" b="1" dirty="0">
+              <a:solidFill>
+                <a:schemeClr val="tx1"/>
+              </a:solidFill>
+            </a:endParaRPr>
+          </a:p>
+          <a:p>
+            <a:r>
+              <a:rPr lang="en-US" b="1" dirty="0" smtClean="0">
+                <a:solidFill>
+                  <a:schemeClr val="tx1"/>
+                </a:solidFill>
+              </a:rPr>
+              <a:t>	“</a:t>
+            </a:r>
+            <a:r>
+              <a:rPr lang="en-US" b="1" dirty="0" err="1" smtClean="0">
+                <a:solidFill>
+                  <a:schemeClr val="tx1"/>
+                </a:solidFill>
+              </a:rPr>
+              <a:t>cozinha</a:t>
+            </a:r>
+            <a:r>
+              <a:rPr lang="en-US" b="1" dirty="0" smtClean="0">
+                <a:solidFill>
+                  <a:schemeClr val="tx1"/>
+                </a:solidFill>
+              </a:rPr>
+              <a:t>": </a:t>
+            </a:r>
+            <a:r>
+              <a:rPr lang="en-US" b="1" dirty="0">
+                <a:solidFill>
+                  <a:schemeClr val="tx1"/>
+                </a:solidFill>
+              </a:rPr>
+              <a:t>“1”, </a:t>
+            </a:r>
+          </a:p>
+          <a:p>
+            <a:r>
+              <a:rPr lang="en-US" b="1" dirty="0" smtClean="0">
+                <a:solidFill>
+                  <a:schemeClr val="tx1"/>
+                </a:solidFill>
+              </a:rPr>
+              <a:t>	“</a:t>
+            </a:r>
+            <a:r>
+              <a:rPr lang="en-US" b="1" dirty="0" err="1" smtClean="0">
+                <a:solidFill>
+                  <a:schemeClr val="tx1"/>
+                </a:solidFill>
+              </a:rPr>
+              <a:t>ar-condicionado</a:t>
+            </a:r>
+            <a:r>
+              <a:rPr lang="en-US" b="1" dirty="0" smtClean="0">
+                <a:solidFill>
+                  <a:schemeClr val="tx1"/>
+                </a:solidFill>
+              </a:rPr>
+              <a:t>": </a:t>
+            </a:r>
+            <a:r>
+              <a:rPr lang="en-US" b="1" dirty="0">
+                <a:solidFill>
+                  <a:schemeClr val="tx1"/>
+                </a:solidFill>
+              </a:rPr>
+              <a:t>“1”, </a:t>
+            </a:r>
+            <a:endParaRPr lang="en-US" b="1" dirty="0" smtClean="0">
+              <a:solidFill>
+                <a:schemeClr val="tx1"/>
+              </a:solidFill>
+            </a:endParaRPr>
+          </a:p>
+        </p:txBody>
+      </p:sp>
+    </p:spTree>
+    <p:extLst>
+      <p:ext uri="{BB962C8B-B14F-4D97-AF65-F5344CB8AC3E}">
+        <p14:creationId xmlns:p14="http://schemas.microsoft.com/office/powerpoint/2010/main" val="1865588621"/>
+      </p:ext>
+    </p:extLst>
+  </p:cSld>
+  <p:clrMapOvr>
+    <a:masterClrMapping/>
+  </p:clrMapOvr>
+</p:sld>
+</file>
+
+<file path=ppt/slides/slide17.xml><?xml version="1.0" encoding="utf-8"?>
+<p:sld xmlns:a="http://schemas.openxmlformats.org/drawingml/2006/main" xmlns:r="http://schemas.openxmlformats.org/officeDocument/2006/relationships" xmlns:p="http://schemas.openxmlformats.org/presentationml/2006/main">
+  <p:cSld>
+    <p:spTree>
+      <p:nvGrpSpPr>
+        <p:cNvPr id="1" name=""/>
+        <p:cNvGrpSpPr/>
+        <p:nvPr/>
+      </p:nvGrpSpPr>
+      <p:grpSpPr>
+        <a:xfrm>
+          <a:off x="0" y="0"/>
+          <a:ext cx="0" cy="0"/>
+          <a:chOff x="0" y="0"/>
+          <a:chExt cx="0" cy="0"/>
+        </a:xfrm>
+      </p:grpSpPr>
+      <p:sp>
+        <p:nvSpPr>
+          <p:cNvPr id="2" name="Título 1"/>
+          <p:cNvSpPr>
+            <a:spLocks noGrp="1"/>
+          </p:cNvSpPr>
+          <p:nvPr>
+            <p:ph type="title"/>
+          </p:nvPr>
+        </p:nvSpPr>
+        <p:spPr/>
+        <p:txBody>
+          <a:bodyPr/>
+          <a:lstStyle/>
+          <a:p>
+            <a:r>
+              <a:rPr lang="pt-BR" dirty="0" smtClean="0"/>
+              <a:t>Novo Formato de Dados</a:t>
+            </a:r>
+            <a:endParaRPr lang="pt-BR" dirty="0"/>
+          </a:p>
+        </p:txBody>
+      </p:sp>
+      <p:sp>
+        <p:nvSpPr>
+          <p:cNvPr id="4" name="Retângulo 3"/>
+          <p:cNvSpPr/>
+          <p:nvPr/>
+        </p:nvSpPr>
+        <p:spPr>
+          <a:xfrm>
+            <a:off x="311700" y="1508992"/>
+            <a:ext cx="7668518" cy="1600438"/>
+          </a:xfrm>
+          <a:prstGeom prst="rect">
+            <a:avLst/>
+          </a:prstGeom>
+        </p:spPr>
+        <p:txBody>
+          <a:bodyPr wrap="square">
+            <a:spAutoFit/>
+          </a:bodyPr>
+          <a:lstStyle/>
+          <a:p>
+            <a:r>
+              <a:rPr lang="en-US" b="1" dirty="0">
+                <a:solidFill>
+                  <a:schemeClr val="tx1"/>
+                </a:solidFill>
+              </a:rPr>
+              <a:t>	</a:t>
+            </a:r>
+            <a:r>
+              <a:rPr lang="en-US" b="1" dirty="0" smtClean="0">
+                <a:solidFill>
+                  <a:schemeClr val="tx1"/>
+                </a:solidFill>
+              </a:rPr>
+              <a:t>“limpeza":”4.5”,</a:t>
+            </a:r>
+          </a:p>
+          <a:p>
+            <a:r>
+              <a:rPr lang="en-US" b="1" dirty="0" smtClean="0">
+                <a:solidFill>
+                  <a:schemeClr val="tx1"/>
+                </a:solidFill>
+              </a:rPr>
+              <a:t>	“comunicacao":”4.8”,</a:t>
+            </a:r>
+          </a:p>
+          <a:p>
+            <a:r>
+              <a:rPr lang="en-US" b="1" dirty="0">
+                <a:solidFill>
+                  <a:schemeClr val="tx1"/>
+                </a:solidFill>
+              </a:rPr>
+              <a:t>	</a:t>
+            </a:r>
+            <a:r>
+              <a:rPr lang="en-US" b="1" dirty="0" smtClean="0">
+                <a:solidFill>
+                  <a:schemeClr val="tx1"/>
+                </a:solidFill>
+              </a:rPr>
+              <a:t>“check-in":”5”,</a:t>
+            </a:r>
+            <a:endParaRPr lang="en-US" b="1" dirty="0">
+              <a:solidFill>
+                <a:schemeClr val="tx1"/>
+              </a:solidFill>
+            </a:endParaRPr>
+          </a:p>
+          <a:p>
+            <a:r>
+              <a:rPr lang="en-US" b="1" dirty="0">
+                <a:solidFill>
+                  <a:schemeClr val="tx1"/>
+                </a:solidFill>
+              </a:rPr>
+              <a:t>	</a:t>
+            </a:r>
+            <a:r>
+              <a:rPr lang="en-US" b="1" dirty="0" smtClean="0">
+                <a:solidFill>
+                  <a:schemeClr val="tx1"/>
+                </a:solidFill>
+              </a:rPr>
+              <a:t>“precisao":”4.6”,</a:t>
+            </a:r>
+            <a:endParaRPr lang="en-US" b="1" dirty="0">
+              <a:solidFill>
+                <a:schemeClr val="tx1"/>
+              </a:solidFill>
+            </a:endParaRPr>
+          </a:p>
+          <a:p>
+            <a:r>
+              <a:rPr lang="en-US" b="1" dirty="0">
+                <a:solidFill>
+                  <a:schemeClr val="tx1"/>
+                </a:solidFill>
+              </a:rPr>
+              <a:t>	</a:t>
+            </a:r>
+            <a:r>
+              <a:rPr lang="en-US" b="1" dirty="0" smtClean="0">
+                <a:solidFill>
+                  <a:schemeClr val="tx1"/>
+                </a:solidFill>
+              </a:rPr>
+              <a:t>“localizacao":”4.8”,</a:t>
+            </a:r>
+            <a:endParaRPr lang="en-US" b="1" dirty="0">
+              <a:solidFill>
+                <a:schemeClr val="tx1"/>
+              </a:solidFill>
+            </a:endParaRPr>
+          </a:p>
+          <a:p>
+            <a:r>
+              <a:rPr lang="en-US" b="1" dirty="0">
+                <a:solidFill>
+                  <a:schemeClr val="tx1"/>
+                </a:solidFill>
+              </a:rPr>
+              <a:t>	</a:t>
+            </a:r>
+            <a:r>
+              <a:rPr lang="en-US" b="1" dirty="0" smtClean="0">
+                <a:solidFill>
+                  <a:schemeClr val="tx1"/>
+                </a:solidFill>
+              </a:rPr>
+              <a:t>“valor":”4.4”,</a:t>
+            </a:r>
+          </a:p>
+          <a:p>
+            <a:r>
+              <a:rPr lang="en-US" b="1" dirty="0" smtClean="0">
+                <a:solidFill>
+                  <a:schemeClr val="tx1"/>
+                </a:solidFill>
+              </a:rPr>
+              <a:t>} </a:t>
+            </a:r>
+            <a:endParaRPr lang="pt-BR" b="1" dirty="0">
+              <a:solidFill>
+                <a:schemeClr val="tx1"/>
+              </a:solidFill>
+            </a:endParaRPr>
+          </a:p>
+        </p:txBody>
+      </p:sp>
+    </p:spTree>
+    <p:extLst>
+      <p:ext uri="{BB962C8B-B14F-4D97-AF65-F5344CB8AC3E}">
+        <p14:creationId xmlns:p14="http://schemas.microsoft.com/office/powerpoint/2010/main" val="2357974003"/>
+      </p:ext>
+    </p:extLst>
+  </p:cSld>
+  <p:clrMapOvr>
+    <a:masterClrMapping/>
+  </p:clrMapOvr>
+</p:sld>
+</file>
+
+<file path=ppt/slides/slide18.xml><?xml version="1.0" encoding="utf-8"?>
+<p:sld xmlns:a="http://schemas.openxmlformats.org/drawingml/2006/main" xmlns:r="http://schemas.openxmlformats.org/officeDocument/2006/relationships" xmlns:p="http://schemas.openxmlformats.org/presentationml/2006/main">
+  <p:cSld>
+    <p:spTree>
+      <p:nvGrpSpPr>
+        <p:cNvPr id="1" name=""/>
+        <p:cNvGrpSpPr/>
+        <p:nvPr/>
+      </p:nvGrpSpPr>
+      <p:grpSpPr>
+        <a:xfrm>
+          <a:off x="0" y="0"/>
+          <a:ext cx="0" cy="0"/>
+          <a:chOff x="0" y="0"/>
+          <a:chExt cx="0" cy="0"/>
+        </a:xfrm>
+      </p:grpSpPr>
+      <p:sp>
+        <p:nvSpPr>
+          <p:cNvPr id="2" name="Título 1"/>
+          <p:cNvSpPr>
+            <a:spLocks noGrp="1"/>
+          </p:cNvSpPr>
+          <p:nvPr>
+            <p:ph type="title"/>
+          </p:nvPr>
+        </p:nvSpPr>
+        <p:spPr/>
+        <p:txBody>
+          <a:bodyPr/>
+          <a:lstStyle/>
+          <a:p>
+            <a:r>
+              <a:rPr lang="pt-BR" dirty="0" err="1" smtClean="0"/>
+              <a:t>Machine</a:t>
+            </a:r>
+            <a:r>
+              <a:rPr lang="pt-BR" dirty="0" smtClean="0"/>
+              <a:t> Learning</a:t>
+            </a:r>
+            <a:endParaRPr lang="pt-BR" dirty="0"/>
+          </a:p>
+        </p:txBody>
+      </p:sp>
+      <p:sp>
+        <p:nvSpPr>
+          <p:cNvPr id="4" name="Retângulo 3"/>
+          <p:cNvSpPr/>
+          <p:nvPr/>
+        </p:nvSpPr>
+        <p:spPr>
+          <a:xfrm>
+            <a:off x="311700" y="1508992"/>
+            <a:ext cx="7668518" cy="1600438"/>
+          </a:xfrm>
+          <a:prstGeom prst="rect">
+            <a:avLst/>
+          </a:prstGeom>
+        </p:spPr>
+        <p:txBody>
+          <a:bodyPr wrap="square">
+            <a:spAutoFit/>
+          </a:bodyPr>
+          <a:lstStyle/>
+          <a:p>
+            <a:pPr marL="285750" indent="-285750">
+              <a:buFont typeface="Arial" panose="020B0604020202020204" pitchFamily="34" charset="0"/>
+              <a:buChar char="•"/>
+            </a:pPr>
+            <a:r>
+              <a:rPr lang="pt-BR" b="1" dirty="0" smtClean="0">
+                <a:solidFill>
+                  <a:schemeClr val="tx1"/>
+                </a:solidFill>
+              </a:rPr>
+              <a:t>Definir taxa de ocupação para o treinamento.</a:t>
+            </a:r>
+          </a:p>
+          <a:p>
+            <a:pPr marL="285750" indent="-285750">
+              <a:buFont typeface="Arial" panose="020B0604020202020204" pitchFamily="34" charset="0"/>
+              <a:buChar char="•"/>
+            </a:pPr>
+            <a:endParaRPr lang="pt-BR" b="1" dirty="0">
+              <a:solidFill>
+                <a:schemeClr val="tx1"/>
+              </a:solidFill>
+            </a:endParaRPr>
+          </a:p>
+          <a:p>
+            <a:pPr marL="285750" indent="-285750">
+              <a:buFont typeface="Arial" panose="020B0604020202020204" pitchFamily="34" charset="0"/>
+              <a:buChar char="•"/>
+            </a:pPr>
+            <a:r>
+              <a:rPr lang="pt-BR" b="1" dirty="0" smtClean="0">
+                <a:solidFill>
+                  <a:schemeClr val="tx1"/>
+                </a:solidFill>
+              </a:rPr>
+              <a:t>Calcular o valor da hospedagem com base nos dados do imóvel.</a:t>
+            </a:r>
+          </a:p>
+          <a:p>
+            <a:pPr marL="285750" indent="-285750">
+              <a:buFont typeface="Arial" panose="020B0604020202020204" pitchFamily="34" charset="0"/>
+              <a:buChar char="•"/>
+            </a:pPr>
+            <a:endParaRPr lang="pt-BR" b="1" dirty="0">
+              <a:solidFill>
+                <a:schemeClr val="tx1"/>
+              </a:solidFill>
+            </a:endParaRPr>
+          </a:p>
+          <a:p>
+            <a:pPr marL="285750" indent="-285750">
+              <a:buFont typeface="Arial" panose="020B0604020202020204" pitchFamily="34" charset="0"/>
+              <a:buChar char="•"/>
+            </a:pPr>
+            <a:r>
+              <a:rPr lang="pt-BR" b="1" dirty="0" smtClean="0">
+                <a:solidFill>
+                  <a:schemeClr val="tx1"/>
+                </a:solidFill>
+              </a:rPr>
+              <a:t>Definir em qual situação o lucro é maximizado.</a:t>
+            </a:r>
+          </a:p>
+          <a:p>
+            <a:pPr marL="285750" indent="-285750">
+              <a:buFont typeface="Arial" panose="020B0604020202020204" pitchFamily="34" charset="0"/>
+              <a:buChar char="•"/>
+            </a:pPr>
+            <a:endParaRPr lang="pt-BR" b="1" dirty="0" smtClean="0">
+              <a:solidFill>
+                <a:schemeClr val="tx1"/>
+              </a:solidFill>
+            </a:endParaRPr>
+          </a:p>
+          <a:p>
+            <a:pPr marL="285750" indent="-285750">
+              <a:buFont typeface="Arial" panose="020B0604020202020204" pitchFamily="34" charset="0"/>
+              <a:buChar char="•"/>
+            </a:pPr>
+            <a:r>
+              <a:rPr lang="pt-BR" b="1" dirty="0" smtClean="0">
+                <a:solidFill>
+                  <a:schemeClr val="tx1"/>
+                </a:solidFill>
+              </a:rPr>
+              <a:t>Aplicar o preço para o local. </a:t>
+            </a:r>
+            <a:endParaRPr lang="pt-BR" b="1" dirty="0">
+              <a:solidFill>
+                <a:schemeClr val="tx1"/>
+              </a:solidFill>
+            </a:endParaRPr>
+          </a:p>
+        </p:txBody>
+      </p:sp>
+    </p:spTree>
+    <p:extLst>
+      <p:ext uri="{BB962C8B-B14F-4D97-AF65-F5344CB8AC3E}">
+        <p14:creationId xmlns:p14="http://schemas.microsoft.com/office/powerpoint/2010/main" val="2822795378"/>
+      </p:ext>
+    </p:extLst>
+  </p:cSld>
+  <p:clrMapOvr>
+    <a:masterClrMapping/>
+  </p:clrMapOvr>
+</p:sld>
+</file>
+
+<file path=ppt/slides/slide19.xml><?xml version="1.0" encoding="utf-8"?>
+<p:sld xmlns:a="http://schemas.openxmlformats.org/drawingml/2006/main" xmlns:r="http://schemas.openxmlformats.org/officeDocument/2006/relationships" xmlns:p="http://schemas.openxmlformats.org/presentationml/2006/main">
+  <p:cSld>
+    <p:spTree>
+      <p:nvGrpSpPr>
+        <p:cNvPr id="1" name=""/>
+        <p:cNvGrpSpPr/>
+        <p:nvPr/>
+      </p:nvGrpSpPr>
+      <p:grpSpPr>
+        <a:xfrm>
+          <a:off x="0" y="0"/>
+          <a:ext cx="0" cy="0"/>
+          <a:chOff x="0" y="0"/>
+          <a:chExt cx="0" cy="0"/>
+        </a:xfrm>
+      </p:grpSpPr>
+      <p:sp>
+        <p:nvSpPr>
+          <p:cNvPr id="2" name="Título 1"/>
+          <p:cNvSpPr>
+            <a:spLocks noGrp="1"/>
+          </p:cNvSpPr>
+          <p:nvPr>
+            <p:ph type="title"/>
+          </p:nvPr>
+        </p:nvSpPr>
+        <p:spPr>
+          <a:xfrm>
+            <a:off x="270137" y="2221871"/>
+            <a:ext cx="8520600" cy="572700"/>
+          </a:xfrm>
+        </p:spPr>
+        <p:txBody>
+          <a:bodyPr/>
+          <a:lstStyle/>
+          <a:p>
+            <a:pPr algn="ctr"/>
+            <a:r>
+              <a:rPr lang="pt-BR" dirty="0" smtClean="0"/>
+              <a:t>Perguntas?</a:t>
+            </a:r>
+            <a:endParaRPr lang="pt-BR" dirty="0"/>
+          </a:p>
+        </p:txBody>
+      </p:sp>
+    </p:spTree>
+    <p:extLst>
+      <p:ext uri="{BB962C8B-B14F-4D97-AF65-F5344CB8AC3E}">
+        <p14:creationId xmlns:p14="http://schemas.microsoft.com/office/powerpoint/2010/main" val="2496361172"/>
       </p:ext>
     </p:extLst>
   </p:cSld>
